--- a/Presentation/Sync and Async.pptx
+++ b/Presentation/Sync and Async.pptx
@@ -6,7 +6,19 @@
   </p:sldMasterIdLst>
   <p:sldIdLst>
     <p:sldId id="256" r:id="rId2"/>
-    <p:sldId id="257" r:id="rId3"/>
+    <p:sldId id="258" r:id="rId3"/>
+    <p:sldId id="257" r:id="rId4"/>
+    <p:sldId id="262" r:id="rId5"/>
+    <p:sldId id="259" r:id="rId6"/>
+    <p:sldId id="263" r:id="rId7"/>
+    <p:sldId id="264" r:id="rId8"/>
+    <p:sldId id="265" r:id="rId9"/>
+    <p:sldId id="266" r:id="rId10"/>
+    <p:sldId id="267" r:id="rId11"/>
+    <p:sldId id="260" r:id="rId12"/>
+    <p:sldId id="261" r:id="rId13"/>
+    <p:sldId id="268" r:id="rId14"/>
+    <p:sldId id="269" r:id="rId15"/>
   </p:sldIdLst>
   <p:sldSz cx="12192000" cy="6858000"/>
   <p:notesSz cx="6858000" cy="9144000"/>
@@ -13511,7 +13523,619 @@
 </p:sld>
 </file>
 
+<file path=ppt/slides/slide10.xml><?xml version="1.0" encoding="utf-8"?>
+<p:sld xmlns:a="http://schemas.openxmlformats.org/drawingml/2006/main" xmlns:r="http://schemas.openxmlformats.org/officeDocument/2006/relationships" xmlns:p="http://schemas.openxmlformats.org/presentationml/2006/main">
+  <p:cSld>
+    <p:spTree>
+      <p:nvGrpSpPr>
+        <p:cNvPr id="1" name=""/>
+        <p:cNvGrpSpPr/>
+        <p:nvPr/>
+      </p:nvGrpSpPr>
+      <p:grpSpPr>
+        <a:xfrm>
+          <a:off x="0" y="0"/>
+          <a:ext cx="0" cy="0"/>
+          <a:chOff x="0" y="0"/>
+          <a:chExt cx="0" cy="0"/>
+        </a:xfrm>
+      </p:grpSpPr>
+      <p:sp>
+        <p:nvSpPr>
+          <p:cNvPr id="4" name="Title 3">
+            <a:extLst>
+              <a:ext uri="{FF2B5EF4-FFF2-40B4-BE49-F238E27FC236}">
+                <a16:creationId xmlns:a16="http://schemas.microsoft.com/office/drawing/2014/main" id="{74A265F5-A155-4B21-8C6E-854C1C8D9A8F}"/>
+              </a:ext>
+            </a:extLst>
+          </p:cNvPr>
+          <p:cNvSpPr>
+            <a:spLocks noGrp="1"/>
+          </p:cNvSpPr>
+          <p:nvPr>
+            <p:ph type="title"/>
+          </p:nvPr>
+        </p:nvSpPr>
+        <p:spPr/>
+        <p:txBody>
+          <a:bodyPr/>
+          <a:lstStyle/>
+          <a:p>
+            <a:r>
+              <a:rPr lang="en-US" dirty="0"/>
+              <a:t>Page life cycle</a:t>
+            </a:r>
+          </a:p>
+        </p:txBody>
+      </p:sp>
+      <p:pic>
+        <p:nvPicPr>
+          <p:cNvPr id="7" name="Picture 6">
+            <a:extLst>
+              <a:ext uri="{FF2B5EF4-FFF2-40B4-BE49-F238E27FC236}">
+                <a16:creationId xmlns:a16="http://schemas.microsoft.com/office/drawing/2014/main" id="{A61E8280-C103-4694-A525-62CE48AC660B}"/>
+              </a:ext>
+            </a:extLst>
+          </p:cNvPr>
+          <p:cNvPicPr>
+            <a:picLocks noChangeAspect="1"/>
+          </p:cNvPicPr>
+          <p:nvPr/>
+        </p:nvPicPr>
+        <p:blipFill>
+          <a:blip r:embed="rId2"/>
+          <a:stretch>
+            <a:fillRect/>
+          </a:stretch>
+        </p:blipFill>
+        <p:spPr>
+          <a:xfrm>
+            <a:off x="6579524" y="1739650"/>
+            <a:ext cx="2714443" cy="4048968"/>
+          </a:xfrm>
+          <a:prstGeom prst="rect">
+            <a:avLst/>
+          </a:prstGeom>
+        </p:spPr>
+      </p:pic>
+    </p:spTree>
+    <p:extLst>
+      <p:ext uri="{BB962C8B-B14F-4D97-AF65-F5344CB8AC3E}">
+        <p14:creationId xmlns:p14="http://schemas.microsoft.com/office/powerpoint/2010/main" val="672831436"/>
+      </p:ext>
+    </p:extLst>
+  </p:cSld>
+  <p:clrMapOvr>
+    <a:masterClrMapping/>
+  </p:clrMapOvr>
+</p:sld>
+</file>
+
+<file path=ppt/slides/slide11.xml><?xml version="1.0" encoding="utf-8"?>
+<p:sld xmlns:a="http://schemas.openxmlformats.org/drawingml/2006/main" xmlns:r="http://schemas.openxmlformats.org/officeDocument/2006/relationships" xmlns:p="http://schemas.openxmlformats.org/presentationml/2006/main">
+  <p:cSld>
+    <p:bg>
+      <p:bgPr>
+        <a:solidFill>
+          <a:schemeClr val="bg1"/>
+        </a:solidFill>
+        <a:effectLst/>
+      </p:bgPr>
+    </p:bg>
+    <p:spTree>
+      <p:nvGrpSpPr>
+        <p:cNvPr id="1" name=""/>
+        <p:cNvGrpSpPr/>
+        <p:nvPr/>
+      </p:nvGrpSpPr>
+      <p:grpSpPr>
+        <a:xfrm>
+          <a:off x="0" y="0"/>
+          <a:ext cx="0" cy="0"/>
+          <a:chOff x="0" y="0"/>
+          <a:chExt cx="0" cy="0"/>
+        </a:xfrm>
+      </p:grpSpPr>
+      <p:pic>
+        <p:nvPicPr>
+          <p:cNvPr id="11" name="Picture 10">
+            <a:extLst>
+              <a:ext uri="{FF2B5EF4-FFF2-40B4-BE49-F238E27FC236}">
+                <a16:creationId xmlns:a16="http://schemas.microsoft.com/office/drawing/2014/main" id="{C6AF39D7-DA2F-47AF-B5E0-4EA6C0A6F8BE}"/>
+              </a:ext>
+            </a:extLst>
+          </p:cNvPr>
+          <p:cNvPicPr>
+            <a:picLocks noChangeAspect="1"/>
+          </p:cNvPicPr>
+          <p:nvPr/>
+        </p:nvPicPr>
+        <p:blipFill>
+          <a:blip r:embed="rId2"/>
+          <a:stretch>
+            <a:fillRect/>
+          </a:stretch>
+        </p:blipFill>
+        <p:spPr>
+          <a:xfrm>
+            <a:off x="2313633" y="1964788"/>
+            <a:ext cx="7170371" cy="4607169"/>
+          </a:xfrm>
+          <a:prstGeom prst="rect">
+            <a:avLst/>
+          </a:prstGeom>
+        </p:spPr>
+      </p:pic>
+      <p:sp>
+        <p:nvSpPr>
+          <p:cNvPr id="12" name="Title 11">
+            <a:extLst>
+              <a:ext uri="{FF2B5EF4-FFF2-40B4-BE49-F238E27FC236}">
+                <a16:creationId xmlns:a16="http://schemas.microsoft.com/office/drawing/2014/main" id="{44E693C1-A7D9-4158-87F2-049A47E1D54E}"/>
+              </a:ext>
+            </a:extLst>
+          </p:cNvPr>
+          <p:cNvSpPr>
+            <a:spLocks noGrp="1"/>
+          </p:cNvSpPr>
+          <p:nvPr>
+            <p:ph type="title"/>
+          </p:nvPr>
+        </p:nvSpPr>
+        <p:spPr/>
+        <p:txBody>
+          <a:bodyPr/>
+          <a:lstStyle/>
+          <a:p>
+            <a:pPr algn="ctr"/>
+            <a:r>
+              <a:rPr lang="en-US" dirty="0"/>
+              <a:t>Thread pool saturation</a:t>
+            </a:r>
+          </a:p>
+        </p:txBody>
+      </p:sp>
+    </p:spTree>
+    <p:extLst>
+      <p:ext uri="{BB962C8B-B14F-4D97-AF65-F5344CB8AC3E}">
+        <p14:creationId xmlns:p14="http://schemas.microsoft.com/office/powerpoint/2010/main" val="3161633240"/>
+      </p:ext>
+    </p:extLst>
+  </p:cSld>
+  <p:clrMapOvr>
+    <a:masterClrMapping/>
+  </p:clrMapOvr>
+</p:sld>
+</file>
+
+<file path=ppt/slides/slide12.xml><?xml version="1.0" encoding="utf-8"?>
+<p:sld xmlns:a="http://schemas.openxmlformats.org/drawingml/2006/main" xmlns:r="http://schemas.openxmlformats.org/officeDocument/2006/relationships" xmlns:p="http://schemas.openxmlformats.org/presentationml/2006/main">
+  <p:cSld>
+    <p:spTree>
+      <p:nvGrpSpPr>
+        <p:cNvPr id="1" name=""/>
+        <p:cNvGrpSpPr/>
+        <p:nvPr/>
+      </p:nvGrpSpPr>
+      <p:grpSpPr>
+        <a:xfrm>
+          <a:off x="0" y="0"/>
+          <a:ext cx="0" cy="0"/>
+          <a:chOff x="0" y="0"/>
+          <a:chExt cx="0" cy="0"/>
+        </a:xfrm>
+      </p:grpSpPr>
+      <p:pic>
+        <p:nvPicPr>
+          <p:cNvPr id="4" name="Picture 3">
+            <a:extLst>
+              <a:ext uri="{FF2B5EF4-FFF2-40B4-BE49-F238E27FC236}">
+                <a16:creationId xmlns:a16="http://schemas.microsoft.com/office/drawing/2014/main" id="{5583B694-D29E-474F-88A0-7956C9FF74BD}"/>
+              </a:ext>
+            </a:extLst>
+          </p:cNvPr>
+          <p:cNvPicPr>
+            <a:picLocks noChangeAspect="1"/>
+          </p:cNvPicPr>
+          <p:nvPr/>
+        </p:nvPicPr>
+        <p:blipFill>
+          <a:blip r:embed="rId2"/>
+          <a:stretch>
+            <a:fillRect/>
+          </a:stretch>
+        </p:blipFill>
+        <p:spPr>
+          <a:xfrm>
+            <a:off x="6922538" y="451920"/>
+            <a:ext cx="4744268" cy="6110658"/>
+          </a:xfrm>
+          <a:prstGeom prst="rect">
+            <a:avLst/>
+          </a:prstGeom>
+        </p:spPr>
+      </p:pic>
+      <p:sp>
+        <p:nvSpPr>
+          <p:cNvPr id="2" name="Title 1">
+            <a:extLst>
+              <a:ext uri="{FF2B5EF4-FFF2-40B4-BE49-F238E27FC236}">
+                <a16:creationId xmlns:a16="http://schemas.microsoft.com/office/drawing/2014/main" id="{53E6038E-EEC2-46C2-B86D-70D0CD6D7B75}"/>
+              </a:ext>
+            </a:extLst>
+          </p:cNvPr>
+          <p:cNvSpPr>
+            <a:spLocks noGrp="1"/>
+          </p:cNvSpPr>
+          <p:nvPr>
+            <p:ph type="title"/>
+          </p:nvPr>
+        </p:nvSpPr>
+        <p:spPr/>
+        <p:txBody>
+          <a:bodyPr/>
+          <a:lstStyle/>
+          <a:p>
+            <a:r>
+              <a:rPr lang="en-US" dirty="0"/>
+              <a:t>Async Page </a:t>
+            </a:r>
+            <a:br>
+              <a:rPr lang="en-US" dirty="0"/>
+            </a:br>
+            <a:r>
+              <a:rPr lang="en-US" dirty="0"/>
+              <a:t>Life Cycle</a:t>
+            </a:r>
+          </a:p>
+        </p:txBody>
+      </p:sp>
+      <p:sp>
+        <p:nvSpPr>
+          <p:cNvPr id="6" name="Text Placeholder 5">
+            <a:extLst>
+              <a:ext uri="{FF2B5EF4-FFF2-40B4-BE49-F238E27FC236}">
+                <a16:creationId xmlns:a16="http://schemas.microsoft.com/office/drawing/2014/main" id="{8686AF65-29D0-4C4D-B9F1-9EFD75F0C540}"/>
+              </a:ext>
+            </a:extLst>
+          </p:cNvPr>
+          <p:cNvSpPr>
+            <a:spLocks noGrp="1"/>
+          </p:cNvSpPr>
+          <p:nvPr>
+            <p:ph type="body" sz="half" idx="2"/>
+          </p:nvPr>
+        </p:nvSpPr>
+        <p:spPr/>
+        <p:txBody>
+          <a:bodyPr/>
+          <a:lstStyle/>
+          <a:p>
+            <a:endParaRPr lang="en-US"/>
+          </a:p>
+        </p:txBody>
+      </p:sp>
+    </p:spTree>
+    <p:extLst>
+      <p:ext uri="{BB962C8B-B14F-4D97-AF65-F5344CB8AC3E}">
+        <p14:creationId xmlns:p14="http://schemas.microsoft.com/office/powerpoint/2010/main" val="4284605110"/>
+      </p:ext>
+    </p:extLst>
+  </p:cSld>
+  <p:clrMapOvr>
+    <a:masterClrMapping/>
+  </p:clrMapOvr>
+</p:sld>
+</file>
+
+<file path=ppt/slides/slide13.xml><?xml version="1.0" encoding="utf-8"?>
+<p:sld xmlns:a="http://schemas.openxmlformats.org/drawingml/2006/main" xmlns:r="http://schemas.openxmlformats.org/officeDocument/2006/relationships" xmlns:p="http://schemas.openxmlformats.org/presentationml/2006/main">
+  <p:cSld>
+    <p:spTree>
+      <p:nvGrpSpPr>
+        <p:cNvPr id="1" name=""/>
+        <p:cNvGrpSpPr/>
+        <p:nvPr/>
+      </p:nvGrpSpPr>
+      <p:grpSpPr>
+        <a:xfrm>
+          <a:off x="0" y="0"/>
+          <a:ext cx="0" cy="0"/>
+          <a:chOff x="0" y="0"/>
+          <a:chExt cx="0" cy="0"/>
+        </a:xfrm>
+      </p:grpSpPr>
+      <p:sp>
+        <p:nvSpPr>
+          <p:cNvPr id="2" name="Title 1">
+            <a:extLst>
+              <a:ext uri="{FF2B5EF4-FFF2-40B4-BE49-F238E27FC236}">
+                <a16:creationId xmlns:a16="http://schemas.microsoft.com/office/drawing/2014/main" id="{96B1D209-A301-45DF-ABB2-4E8FB4272211}"/>
+              </a:ext>
+            </a:extLst>
+          </p:cNvPr>
+          <p:cNvSpPr>
+            <a:spLocks noGrp="1"/>
+          </p:cNvSpPr>
+          <p:nvPr>
+            <p:ph type="title"/>
+          </p:nvPr>
+        </p:nvSpPr>
+        <p:spPr/>
+        <p:txBody>
+          <a:bodyPr/>
+          <a:lstStyle/>
+          <a:p>
+            <a:r>
+              <a:rPr lang="en-US" dirty="0"/>
+              <a:t>To Demos</a:t>
+            </a:r>
+          </a:p>
+        </p:txBody>
+      </p:sp>
+      <p:sp>
+        <p:nvSpPr>
+          <p:cNvPr id="3" name="Text Placeholder 2">
+            <a:extLst>
+              <a:ext uri="{FF2B5EF4-FFF2-40B4-BE49-F238E27FC236}">
+                <a16:creationId xmlns:a16="http://schemas.microsoft.com/office/drawing/2014/main" id="{CB92A823-6D17-4D1E-B498-6A09607F3D53}"/>
+              </a:ext>
+            </a:extLst>
+          </p:cNvPr>
+          <p:cNvSpPr>
+            <a:spLocks noGrp="1"/>
+          </p:cNvSpPr>
+          <p:nvPr>
+            <p:ph type="body" idx="1"/>
+          </p:nvPr>
+        </p:nvSpPr>
+        <p:spPr/>
+        <p:txBody>
+          <a:bodyPr/>
+          <a:lstStyle/>
+          <a:p>
+            <a:endParaRPr lang="en-US" dirty="0"/>
+          </a:p>
+        </p:txBody>
+      </p:sp>
+    </p:spTree>
+    <p:extLst>
+      <p:ext uri="{BB962C8B-B14F-4D97-AF65-F5344CB8AC3E}">
+        <p14:creationId xmlns:p14="http://schemas.microsoft.com/office/powerpoint/2010/main" val="2715986702"/>
+      </p:ext>
+    </p:extLst>
+  </p:cSld>
+  <p:clrMapOvr>
+    <a:masterClrMapping/>
+  </p:clrMapOvr>
+</p:sld>
+</file>
+
+<file path=ppt/slides/slide14.xml><?xml version="1.0" encoding="utf-8"?>
+<p:sld xmlns:a="http://schemas.openxmlformats.org/drawingml/2006/main" xmlns:r="http://schemas.openxmlformats.org/officeDocument/2006/relationships" xmlns:p="http://schemas.openxmlformats.org/presentationml/2006/main">
+  <p:cSld>
+    <p:spTree>
+      <p:nvGrpSpPr>
+        <p:cNvPr id="1" name=""/>
+        <p:cNvGrpSpPr/>
+        <p:nvPr/>
+      </p:nvGrpSpPr>
+      <p:grpSpPr>
+        <a:xfrm>
+          <a:off x="0" y="0"/>
+          <a:ext cx="0" cy="0"/>
+          <a:chOff x="0" y="0"/>
+          <a:chExt cx="0" cy="0"/>
+        </a:xfrm>
+      </p:grpSpPr>
+      <p:sp>
+        <p:nvSpPr>
+          <p:cNvPr id="2" name="Title 1">
+            <a:extLst>
+              <a:ext uri="{FF2B5EF4-FFF2-40B4-BE49-F238E27FC236}">
+                <a16:creationId xmlns:a16="http://schemas.microsoft.com/office/drawing/2014/main" id="{B1B3C064-A2A7-472D-AC88-587CF3895BD9}"/>
+              </a:ext>
+            </a:extLst>
+          </p:cNvPr>
+          <p:cNvSpPr>
+            <a:spLocks noGrp="1"/>
+          </p:cNvSpPr>
+          <p:nvPr>
+            <p:ph type="title"/>
+          </p:nvPr>
+        </p:nvSpPr>
+        <p:spPr/>
+        <p:txBody>
+          <a:bodyPr/>
+          <a:lstStyle/>
+          <a:p>
+            <a:r>
+              <a:rPr lang="en-US"/>
+              <a:t>Where to find this code</a:t>
+            </a:r>
+            <a:endParaRPr lang="en-US" dirty="0"/>
+          </a:p>
+        </p:txBody>
+      </p:sp>
+      <p:sp>
+        <p:nvSpPr>
+          <p:cNvPr id="3" name="Content Placeholder 2">
+            <a:extLst>
+              <a:ext uri="{FF2B5EF4-FFF2-40B4-BE49-F238E27FC236}">
+                <a16:creationId xmlns:a16="http://schemas.microsoft.com/office/drawing/2014/main" id="{6737C11B-FCB3-4341-9DF1-B5987FEA5246}"/>
+              </a:ext>
+            </a:extLst>
+          </p:cNvPr>
+          <p:cNvSpPr>
+            <a:spLocks noGrp="1"/>
+          </p:cNvSpPr>
+          <p:nvPr>
+            <p:ph idx="1"/>
+          </p:nvPr>
+        </p:nvSpPr>
+        <p:spPr/>
+        <p:txBody>
+          <a:bodyPr/>
+          <a:lstStyle/>
+          <a:p>
+            <a:endParaRPr lang="en-US"/>
+          </a:p>
+        </p:txBody>
+      </p:sp>
+    </p:spTree>
+    <p:extLst>
+      <p:ext uri="{BB962C8B-B14F-4D97-AF65-F5344CB8AC3E}">
+        <p14:creationId xmlns:p14="http://schemas.microsoft.com/office/powerpoint/2010/main" val="569150144"/>
+      </p:ext>
+    </p:extLst>
+  </p:cSld>
+  <p:clrMapOvr>
+    <a:masterClrMapping/>
+  </p:clrMapOvr>
+</p:sld>
+</file>
+
 <file path=ppt/slides/slide2.xml><?xml version="1.0" encoding="utf-8"?>
+<p:sld xmlns:a="http://schemas.openxmlformats.org/drawingml/2006/main" xmlns:r="http://schemas.openxmlformats.org/officeDocument/2006/relationships" xmlns:p="http://schemas.openxmlformats.org/presentationml/2006/main">
+  <p:cSld>
+    <p:spTree>
+      <p:nvGrpSpPr>
+        <p:cNvPr id="1" name=""/>
+        <p:cNvGrpSpPr/>
+        <p:nvPr/>
+      </p:nvGrpSpPr>
+      <p:grpSpPr>
+        <a:xfrm>
+          <a:off x="0" y="0"/>
+          <a:ext cx="0" cy="0"/>
+          <a:chOff x="0" y="0"/>
+          <a:chExt cx="0" cy="0"/>
+        </a:xfrm>
+      </p:grpSpPr>
+      <p:sp>
+        <p:nvSpPr>
+          <p:cNvPr id="2" name="Title 1">
+            <a:extLst>
+              <a:ext uri="{FF2B5EF4-FFF2-40B4-BE49-F238E27FC236}">
+                <a16:creationId xmlns:a16="http://schemas.microsoft.com/office/drawing/2014/main" id="{ABE8EF3B-79C3-4BC2-AF34-92A2B36C580D}"/>
+              </a:ext>
+            </a:extLst>
+          </p:cNvPr>
+          <p:cNvSpPr>
+            <a:spLocks noGrp="1"/>
+          </p:cNvSpPr>
+          <p:nvPr>
+            <p:ph type="title"/>
+          </p:nvPr>
+        </p:nvSpPr>
+        <p:spPr/>
+        <p:txBody>
+          <a:bodyPr>
+            <a:normAutofit/>
+          </a:bodyPr>
+          <a:lstStyle/>
+          <a:p>
+            <a:r>
+              <a:rPr lang="en-US" dirty="0"/>
+              <a:t>Michael Connelly</a:t>
+            </a:r>
+          </a:p>
+        </p:txBody>
+      </p:sp>
+      <p:sp>
+        <p:nvSpPr>
+          <p:cNvPr id="5" name="Content Placeholder 4">
+            <a:extLst>
+              <a:ext uri="{FF2B5EF4-FFF2-40B4-BE49-F238E27FC236}">
+                <a16:creationId xmlns:a16="http://schemas.microsoft.com/office/drawing/2014/main" id="{E8286C56-B0FA-4031-95CC-EF5BDCBE0036}"/>
+              </a:ext>
+            </a:extLst>
+          </p:cNvPr>
+          <p:cNvSpPr>
+            <a:spLocks noGrp="1"/>
+          </p:cNvSpPr>
+          <p:nvPr>
+            <p:ph idx="1"/>
+          </p:nvPr>
+        </p:nvSpPr>
+        <p:spPr/>
+        <p:txBody>
+          <a:bodyPr/>
+          <a:lstStyle/>
+          <a:p>
+            <a:r>
+              <a:rPr lang="en-US" dirty="0" err="1"/>
+              <a:t>Github</a:t>
+            </a:r>
+            <a:r>
+              <a:rPr lang="en-US" dirty="0"/>
+              <a:t>: P47Phoenix</a:t>
+            </a:r>
+          </a:p>
+          <a:p>
+            <a:r>
+              <a:rPr lang="en-US" dirty="0"/>
+              <a:t>GHE: Mike-Connelly</a:t>
+            </a:r>
+          </a:p>
+          <a:p>
+            <a:r>
+              <a:rPr lang="en-US" dirty="0"/>
+              <a:t>Slack: @</a:t>
+            </a:r>
+            <a:r>
+              <a:rPr lang="en-US" dirty="0" err="1"/>
+              <a:t>mike.Connelly</a:t>
+            </a:r>
+            <a:endParaRPr lang="en-US" dirty="0"/>
+          </a:p>
+          <a:p>
+            <a:r>
+              <a:rPr lang="en-US" dirty="0"/>
+              <a:t>Email: mike.Connelly@coxautoinc.com</a:t>
+            </a:r>
+          </a:p>
+        </p:txBody>
+      </p:sp>
+      <p:sp>
+        <p:nvSpPr>
+          <p:cNvPr id="6" name="Text Placeholder 5">
+            <a:extLst>
+              <a:ext uri="{FF2B5EF4-FFF2-40B4-BE49-F238E27FC236}">
+                <a16:creationId xmlns:a16="http://schemas.microsoft.com/office/drawing/2014/main" id="{5AB6110E-AC82-401E-BADF-C1EF6AA58903}"/>
+              </a:ext>
+            </a:extLst>
+          </p:cNvPr>
+          <p:cNvSpPr>
+            <a:spLocks noGrp="1"/>
+          </p:cNvSpPr>
+          <p:nvPr>
+            <p:ph type="body" sz="half" idx="2"/>
+          </p:nvPr>
+        </p:nvSpPr>
+        <p:spPr/>
+        <p:txBody>
+          <a:bodyPr/>
+          <a:lstStyle/>
+          <a:p>
+            <a:endParaRPr lang="en-US" dirty="0"/>
+          </a:p>
+        </p:txBody>
+      </p:sp>
+    </p:spTree>
+    <p:extLst>
+      <p:ext uri="{BB962C8B-B14F-4D97-AF65-F5344CB8AC3E}">
+        <p14:creationId xmlns:p14="http://schemas.microsoft.com/office/powerpoint/2010/main" val="90928637"/>
+      </p:ext>
+    </p:extLst>
+  </p:cSld>
+  <p:clrMapOvr>
+    <a:masterClrMapping/>
+  </p:clrMapOvr>
+</p:sld>
+</file>
+
+<file path=ppt/slides/slide3.xml><?xml version="1.0" encoding="utf-8"?>
 <p:sld xmlns:a="http://schemas.openxmlformats.org/drawingml/2006/main" xmlns:r="http://schemas.openxmlformats.org/officeDocument/2006/relationships" xmlns:p="http://schemas.openxmlformats.org/presentationml/2006/main">
   <p:cSld>
     <p:spTree>
@@ -13601,15 +14225,34 @@
           <a:p>
             <a:r>
               <a:rPr lang="en-US" dirty="0"/>
-              <a:t>Hot to implement async in ASP.NET </a:t>
+              <a:t>Why async at all?</a:t>
+            </a:r>
+          </a:p>
+          <a:p>
+            <a:r>
+              <a:rPr lang="en-US" dirty="0"/>
+              <a:t>A brief history of </a:t>
             </a:r>
             <a:r>
-              <a:rPr lang="en-US"/>
-              <a:t>forms.</a:t>
+              <a:rPr lang="en-US" dirty="0" err="1"/>
+              <a:t>Asp.Net</a:t>
             </a:r>
-          </a:p>
-          <a:p>
-            <a:endParaRPr lang="en-US" dirty="0"/>
+            <a:r>
+              <a:rPr lang="en-US" dirty="0"/>
+              <a:t> Forms</a:t>
+            </a:r>
+          </a:p>
+          <a:p>
+            <a:r>
+              <a:rPr lang="en-US" dirty="0"/>
+              <a:t>How to implement async in ASP.NET forms.</a:t>
+            </a:r>
+          </a:p>
+          <a:p>
+            <a:r>
+              <a:rPr lang="en-US" dirty="0"/>
+              <a:t>Play around with the thread pool and break some things</a:t>
+            </a:r>
           </a:p>
         </p:txBody>
       </p:sp>
@@ -13617,6 +14260,1842 @@
     <p:extLst>
       <p:ext uri="{BB962C8B-B14F-4D97-AF65-F5344CB8AC3E}">
         <p14:creationId xmlns:p14="http://schemas.microsoft.com/office/powerpoint/2010/main" val="3531876664"/>
+      </p:ext>
+    </p:extLst>
+  </p:cSld>
+  <p:clrMapOvr>
+    <a:masterClrMapping/>
+  </p:clrMapOvr>
+</p:sld>
+</file>
+
+<file path=ppt/slides/slide4.xml><?xml version="1.0" encoding="utf-8"?>
+<p:sld xmlns:a="http://schemas.openxmlformats.org/drawingml/2006/main" xmlns:r="http://schemas.openxmlformats.org/officeDocument/2006/relationships" xmlns:p="http://schemas.openxmlformats.org/presentationml/2006/main">
+  <p:cSld>
+    <p:spTree>
+      <p:nvGrpSpPr>
+        <p:cNvPr id="1" name=""/>
+        <p:cNvGrpSpPr/>
+        <p:nvPr/>
+      </p:nvGrpSpPr>
+      <p:grpSpPr>
+        <a:xfrm>
+          <a:off x="0" y="0"/>
+          <a:ext cx="0" cy="0"/>
+          <a:chOff x="0" y="0"/>
+          <a:chExt cx="0" cy="0"/>
+        </a:xfrm>
+      </p:grpSpPr>
+      <p:sp>
+        <p:nvSpPr>
+          <p:cNvPr id="2" name="Title 1">
+            <a:extLst>
+              <a:ext uri="{FF2B5EF4-FFF2-40B4-BE49-F238E27FC236}">
+                <a16:creationId xmlns:a16="http://schemas.microsoft.com/office/drawing/2014/main" id="{C6CF272C-E15D-42AF-A072-1D0E527FA1D6}"/>
+              </a:ext>
+            </a:extLst>
+          </p:cNvPr>
+          <p:cNvSpPr>
+            <a:spLocks noGrp="1"/>
+          </p:cNvSpPr>
+          <p:nvPr>
+            <p:ph type="title"/>
+          </p:nvPr>
+        </p:nvSpPr>
+        <p:spPr/>
+        <p:txBody>
+          <a:bodyPr/>
+          <a:lstStyle/>
+          <a:p>
+            <a:r>
+              <a:rPr lang="en-US" dirty="0"/>
+              <a:t>Pools of Threads</a:t>
+            </a:r>
+          </a:p>
+        </p:txBody>
+      </p:sp>
+      <p:pic>
+        <p:nvPicPr>
+          <p:cNvPr id="4100" name="Picture 4" descr="concurrency-thread-pools">
+            <a:extLst>
+              <a:ext uri="{FF2B5EF4-FFF2-40B4-BE49-F238E27FC236}">
+                <a16:creationId xmlns:a16="http://schemas.microsoft.com/office/drawing/2014/main" id="{454BA167-6524-47AF-8CC6-B0BC9848B2B8}"/>
+              </a:ext>
+            </a:extLst>
+          </p:cNvPr>
+          <p:cNvPicPr>
+            <a:picLocks noChangeAspect="1" noChangeArrowheads="1"/>
+          </p:cNvPicPr>
+          <p:nvPr/>
+        </p:nvPicPr>
+        <p:blipFill>
+          <a:blip r:embed="rId2">
+            <a:extLst>
+              <a:ext uri="{28A0092B-C50C-407E-A947-70E740481C1C}">
+                <a14:useLocalDpi xmlns:a14="http://schemas.microsoft.com/office/drawing/2010/main" val="0"/>
+              </a:ext>
+            </a:extLst>
+          </a:blip>
+          <a:srcRect/>
+          <a:stretch>
+            <a:fillRect/>
+          </a:stretch>
+        </p:blipFill>
+        <p:spPr bwMode="auto">
+          <a:xfrm>
+            <a:off x="6485325" y="1841536"/>
+            <a:ext cx="5661778" cy="3538611"/>
+          </a:xfrm>
+          <a:prstGeom prst="rect">
+            <a:avLst/>
+          </a:prstGeom>
+          <a:noFill/>
+          <a:extLst>
+            <a:ext uri="{909E8E84-426E-40DD-AFC4-6F175D3DCCD1}">
+              <a14:hiddenFill xmlns:a14="http://schemas.microsoft.com/office/drawing/2010/main">
+                <a:solidFill>
+                  <a:srgbClr val="FFFFFF"/>
+                </a:solidFill>
+              </a14:hiddenFill>
+            </a:ext>
+          </a:extLst>
+        </p:spPr>
+      </p:pic>
+    </p:spTree>
+    <p:extLst>
+      <p:ext uri="{BB962C8B-B14F-4D97-AF65-F5344CB8AC3E}">
+        <p14:creationId xmlns:p14="http://schemas.microsoft.com/office/powerpoint/2010/main" val="4103699328"/>
+      </p:ext>
+    </p:extLst>
+  </p:cSld>
+  <p:clrMapOvr>
+    <a:masterClrMapping/>
+  </p:clrMapOvr>
+</p:sld>
+</file>
+
+<file path=ppt/slides/slide5.xml><?xml version="1.0" encoding="utf-8"?>
+<p:sld xmlns:a="http://schemas.openxmlformats.org/drawingml/2006/main" xmlns:r="http://schemas.openxmlformats.org/officeDocument/2006/relationships" xmlns:p="http://schemas.openxmlformats.org/presentationml/2006/main">
+  <p:cSld>
+    <p:bg>
+      <p:bgPr>
+        <a:solidFill>
+          <a:schemeClr val="bg1"/>
+        </a:solidFill>
+        <a:effectLst/>
+      </p:bgPr>
+    </p:bg>
+    <p:spTree>
+      <p:nvGrpSpPr>
+        <p:cNvPr id="1" name=""/>
+        <p:cNvGrpSpPr/>
+        <p:nvPr/>
+      </p:nvGrpSpPr>
+      <p:grpSpPr>
+        <a:xfrm>
+          <a:off x="0" y="0"/>
+          <a:ext cx="0" cy="0"/>
+          <a:chOff x="0" y="0"/>
+          <a:chExt cx="0" cy="0"/>
+        </a:xfrm>
+      </p:grpSpPr>
+      <p:grpSp>
+        <p:nvGrpSpPr>
+          <p:cNvPr id="71" name="Group 70">
+            <a:extLst>
+              <a:ext uri="{FF2B5EF4-FFF2-40B4-BE49-F238E27FC236}">
+                <a16:creationId xmlns:a16="http://schemas.microsoft.com/office/drawing/2014/main" id="{4091D54B-59AB-4A5E-8E9E-0421BD66D4FB}"/>
+              </a:ext>
+              <a:ext uri="{C183D7F6-B498-43B3-948B-1728B52AA6E4}">
+                <adec:decorative xmlns:adec="http://schemas.microsoft.com/office/drawing/2017/decorative" val="1"/>
+              </a:ext>
+            </a:extLst>
+          </p:cNvPr>
+          <p:cNvGrpSpPr>
+            <a:grpSpLocks noGrp="1" noUngrp="1" noRot="1" noChangeAspect="1" noMove="1" noResize="1"/>
+          </p:cNvGrpSpPr>
+          <p:nvPr>
+            <p:extLst>
+              <p:ext uri="{386F3935-93C4-4BCD-93E2-E3B085C9AB24}">
+                <p16:designElem xmlns:p16="http://schemas.microsoft.com/office/powerpoint/2015/main" val="1"/>
+              </p:ext>
+            </p:extLst>
+          </p:nvPr>
+        </p:nvGrpSpPr>
+        <p:grpSpPr>
+          <a:xfrm>
+            <a:off x="0" y="0"/>
+            <a:ext cx="12192000" cy="6858000"/>
+            <a:chOff x="0" y="0"/>
+            <a:chExt cx="12192000" cy="6858000"/>
+          </a:xfrm>
+        </p:grpSpPr>
+        <p:sp>
+          <p:nvSpPr>
+            <p:cNvPr id="72" name="Rectangle 71">
+              <a:extLst>
+                <a:ext uri="{FF2B5EF4-FFF2-40B4-BE49-F238E27FC236}">
+                  <a16:creationId xmlns:a16="http://schemas.microsoft.com/office/drawing/2014/main" id="{547CE62E-FFFD-4A1F-BA78-C3B89C36FCA5}"/>
+                </a:ext>
+                <a:ext uri="{C183D7F6-B498-43B3-948B-1728B52AA6E4}">
+                  <adec:decorative xmlns:adec="http://schemas.microsoft.com/office/drawing/2017/decorative" val="1"/>
+                </a:ext>
+              </a:extLst>
+            </p:cNvPr>
+            <p:cNvSpPr/>
+            <p:nvPr>
+              <p:extLst>
+                <p:ext uri="{386F3935-93C4-4BCD-93E2-E3B085C9AB24}">
+                  <p16:designElem xmlns:p16="http://schemas.microsoft.com/office/powerpoint/2015/main" val="1"/>
+                </p:ext>
+              </p:extLst>
+            </p:nvPr>
+          </p:nvSpPr>
+          <p:spPr>
+            <a:xfrm>
+              <a:off x="0" y="0"/>
+              <a:ext cx="12192000" cy="6858000"/>
+            </a:xfrm>
+            <a:prstGeom prst="rect">
+              <a:avLst/>
+            </a:prstGeom>
+            <a:blipFill>
+              <a:blip r:embed="rId2">
+                <a:duotone>
+                  <a:schemeClr val="dk2">
+                    <a:shade val="69000"/>
+                    <a:hueMod val="91000"/>
+                    <a:satMod val="164000"/>
+                    <a:lumMod val="74000"/>
+                  </a:schemeClr>
+                  <a:schemeClr val="dk2">
+                    <a:hueMod val="124000"/>
+                    <a:satMod val="140000"/>
+                    <a:lumMod val="142000"/>
+                  </a:schemeClr>
+                </a:duotone>
+              </a:blip>
+              <a:stretch>
+                <a:fillRect/>
+              </a:stretch>
+            </a:blipFill>
+            <a:ln>
+              <a:noFill/>
+            </a:ln>
+          </p:spPr>
+          <p:style>
+            <a:lnRef idx="2">
+              <a:schemeClr val="accent1">
+                <a:shade val="50000"/>
+              </a:schemeClr>
+            </a:lnRef>
+            <a:fillRef idx="1">
+              <a:schemeClr val="accent1"/>
+            </a:fillRef>
+            <a:effectRef idx="0">
+              <a:schemeClr val="accent1"/>
+            </a:effectRef>
+            <a:fontRef idx="minor">
+              <a:schemeClr val="lt1"/>
+            </a:fontRef>
+          </p:style>
+        </p:sp>
+        <p:sp>
+          <p:nvSpPr>
+            <p:cNvPr id="73" name="Freeform 5">
+              <a:extLst>
+                <a:ext uri="{FF2B5EF4-FFF2-40B4-BE49-F238E27FC236}">
+                  <a16:creationId xmlns:a16="http://schemas.microsoft.com/office/drawing/2014/main" id="{AE51FD27-6B6A-4D21-BF22-245DA9BD0B3E}"/>
+                </a:ext>
+                <a:ext uri="{C183D7F6-B498-43B3-948B-1728B52AA6E4}">
+                  <adec:decorative xmlns:adec="http://schemas.microsoft.com/office/drawing/2017/decorative" val="1"/>
+                </a:ext>
+              </a:extLst>
+            </p:cNvPr>
+            <p:cNvSpPr>
+              <a:spLocks noEditPoints="1"/>
+            </p:cNvSpPr>
+            <p:nvPr>
+              <p:extLst>
+                <p:ext uri="{386F3935-93C4-4BCD-93E2-E3B085C9AB24}">
+                  <p16:designElem xmlns:p16="http://schemas.microsoft.com/office/powerpoint/2015/main" val="1"/>
+                </p:ext>
+              </p:extLst>
+            </p:nvPr>
+          </p:nvSpPr>
+          <p:spPr bwMode="gray">
+            <a:xfrm>
+              <a:off x="0" y="1587"/>
+              <a:ext cx="12192000" cy="6856413"/>
+            </a:xfrm>
+            <a:custGeom>
+              <a:avLst/>
+              <a:gdLst/>
+              <a:ahLst/>
+              <a:cxnLst/>
+              <a:rect l="0" t="0" r="r" b="b"/>
+              <a:pathLst>
+                <a:path w="15356" h="8638">
+                  <a:moveTo>
+                    <a:pt x="0" y="0"/>
+                  </a:moveTo>
+                  <a:lnTo>
+                    <a:pt x="0" y="8638"/>
+                  </a:lnTo>
+                  <a:lnTo>
+                    <a:pt x="15356" y="8638"/>
+                  </a:lnTo>
+                  <a:lnTo>
+                    <a:pt x="15356" y="0"/>
+                  </a:lnTo>
+                  <a:lnTo>
+                    <a:pt x="0" y="0"/>
+                  </a:lnTo>
+                  <a:close/>
+                  <a:moveTo>
+                    <a:pt x="14748" y="8038"/>
+                  </a:moveTo>
+                  <a:lnTo>
+                    <a:pt x="600" y="8038"/>
+                  </a:lnTo>
+                  <a:lnTo>
+                    <a:pt x="600" y="592"/>
+                  </a:lnTo>
+                  <a:lnTo>
+                    <a:pt x="14748" y="592"/>
+                  </a:lnTo>
+                  <a:lnTo>
+                    <a:pt x="14748" y="8038"/>
+                  </a:lnTo>
+                  <a:close/>
+                </a:path>
+              </a:pathLst>
+            </a:custGeom>
+            <a:solidFill>
+              <a:schemeClr val="bg1"/>
+            </a:solidFill>
+            <a:ln>
+              <a:noFill/>
+            </a:ln>
+          </p:spPr>
+        </p:sp>
+      </p:grpSp>
+      <p:sp>
+        <p:nvSpPr>
+          <p:cNvPr id="75" name="Rectangle 74">
+            <a:extLst>
+              <a:ext uri="{FF2B5EF4-FFF2-40B4-BE49-F238E27FC236}">
+                <a16:creationId xmlns:a16="http://schemas.microsoft.com/office/drawing/2014/main" id="{B8144315-1C5A-4185-A952-25D98D303D46}"/>
+              </a:ext>
+              <a:ext uri="{C183D7F6-B498-43B3-948B-1728B52AA6E4}">
+                <adec:decorative xmlns:adec="http://schemas.microsoft.com/office/drawing/2017/decorative" val="1"/>
+              </a:ext>
+            </a:extLst>
+          </p:cNvPr>
+          <p:cNvSpPr>
+            <a:spLocks noGrp="1" noRot="1" noChangeAspect="1" noMove="1" noResize="1" noEditPoints="1" noAdjustHandles="1" noChangeArrowheads="1" noChangeShapeType="1" noTextEdit="1"/>
+          </p:cNvSpPr>
+          <p:nvPr>
+            <p:extLst>
+              <p:ext uri="{386F3935-93C4-4BCD-93E2-E3B085C9AB24}">
+                <p16:designElem xmlns:p16="http://schemas.microsoft.com/office/powerpoint/2015/main" val="1"/>
+              </p:ext>
+            </p:extLst>
+          </p:nvPr>
+        </p:nvSpPr>
+        <p:spPr>
+          <a:xfrm>
+            <a:off x="10437812" y="0"/>
+            <a:ext cx="685800" cy="1143000"/>
+          </a:xfrm>
+          <a:prstGeom prst="rect">
+            <a:avLst/>
+          </a:prstGeom>
+          <a:solidFill>
+            <a:schemeClr val="accent1"/>
+          </a:solidFill>
+          <a:ln>
+            <a:noFill/>
+          </a:ln>
+        </p:spPr>
+        <p:style>
+          <a:lnRef idx="1">
+            <a:schemeClr val="accent1"/>
+          </a:lnRef>
+          <a:fillRef idx="3">
+            <a:schemeClr val="accent1"/>
+          </a:fillRef>
+          <a:effectRef idx="2">
+            <a:schemeClr val="accent1"/>
+          </a:effectRef>
+          <a:fontRef idx="minor">
+            <a:schemeClr val="lt1"/>
+          </a:fontRef>
+        </p:style>
+      </p:sp>
+      <p:sp>
+        <p:nvSpPr>
+          <p:cNvPr id="2" name="Title 1">
+            <a:extLst>
+              <a:ext uri="{FF2B5EF4-FFF2-40B4-BE49-F238E27FC236}">
+                <a16:creationId xmlns:a16="http://schemas.microsoft.com/office/drawing/2014/main" id="{FCE43D52-0F98-4F4F-AC26-9EAED32CCC02}"/>
+              </a:ext>
+            </a:extLst>
+          </p:cNvPr>
+          <p:cNvSpPr>
+            <a:spLocks noGrp="1"/>
+          </p:cNvSpPr>
+          <p:nvPr>
+            <p:ph type="title" idx="4294967295"/>
+          </p:nvPr>
+        </p:nvSpPr>
+        <p:spPr>
+          <a:xfrm>
+            <a:off x="8205953" y="1602953"/>
+            <a:ext cx="3161016" cy="3153753"/>
+          </a:xfrm>
+        </p:spPr>
+        <p:txBody>
+          <a:bodyPr vert="horz" lIns="91440" tIns="45720" rIns="91440" bIns="45720" rtlCol="0" anchor="b">
+            <a:normAutofit/>
+          </a:bodyPr>
+          <a:lstStyle/>
+          <a:p>
+            <a:pPr algn="ctr"/>
+            <a:r>
+              <a:rPr lang="en-US" sz="5400" dirty="0" err="1">
+                <a:solidFill>
+                  <a:srgbClr val="EBEBEB"/>
+                </a:solidFill>
+              </a:rPr>
+              <a:t>Asp.Net</a:t>
+            </a:r>
+            <a:endParaRPr lang="en-US" sz="5400" b="0" i="0" kern="1200" dirty="0">
+              <a:solidFill>
+                <a:srgbClr val="EBEBEB"/>
+              </a:solidFill>
+              <a:latin typeface="+mj-lt"/>
+              <a:ea typeface="+mj-ea"/>
+              <a:cs typeface="+mj-cs"/>
+            </a:endParaRPr>
+          </a:p>
+        </p:txBody>
+      </p:sp>
+      <p:grpSp>
+        <p:nvGrpSpPr>
+          <p:cNvPr id="77" name="Group 76">
+            <a:extLst>
+              <a:ext uri="{FF2B5EF4-FFF2-40B4-BE49-F238E27FC236}">
+                <a16:creationId xmlns:a16="http://schemas.microsoft.com/office/drawing/2014/main" id="{25A657F0-42F3-40D3-BC75-7DA1F5C6A225}"/>
+              </a:ext>
+              <a:ext uri="{C183D7F6-B498-43B3-948B-1728B52AA6E4}">
+                <adec:decorative xmlns:adec="http://schemas.microsoft.com/office/drawing/2017/decorative" val="1"/>
+              </a:ext>
+            </a:extLst>
+          </p:cNvPr>
+          <p:cNvGrpSpPr>
+            <a:grpSpLocks noGrp="1" noUngrp="1" noRot="1" noChangeAspect="1" noMove="1" noResize="1"/>
+          </p:cNvGrpSpPr>
+          <p:nvPr>
+            <p:extLst>
+              <p:ext uri="{386F3935-93C4-4BCD-93E2-E3B085C9AB24}">
+                <p16:designElem xmlns:p16="http://schemas.microsoft.com/office/powerpoint/2015/main" val="1"/>
+              </p:ext>
+            </p:extLst>
+          </p:nvPr>
+        </p:nvGrpSpPr>
+        <p:grpSpPr>
+          <a:xfrm>
+            <a:off x="423332" y="396837"/>
+            <a:ext cx="7906665" cy="6058999"/>
+            <a:chOff x="423332" y="396837"/>
+            <a:chExt cx="7906665" cy="6058999"/>
+          </a:xfrm>
+        </p:grpSpPr>
+        <p:sp>
+          <p:nvSpPr>
+            <p:cNvPr id="78" name="Rectangle 77">
+              <a:extLst>
+                <a:ext uri="{FF2B5EF4-FFF2-40B4-BE49-F238E27FC236}">
+                  <a16:creationId xmlns:a16="http://schemas.microsoft.com/office/drawing/2014/main" id="{2E94FF68-7A60-47B7-AB98-1674FC7F2D14}"/>
+                </a:ext>
+                <a:ext uri="{C183D7F6-B498-43B3-948B-1728B52AA6E4}">
+                  <adec:decorative xmlns:adec="http://schemas.microsoft.com/office/drawing/2017/decorative" val="1"/>
+                </a:ext>
+              </a:extLst>
+            </p:cNvPr>
+            <p:cNvSpPr/>
+            <p:nvPr>
+              <p:extLst>
+                <p:ext uri="{386F3935-93C4-4BCD-93E2-E3B085C9AB24}">
+                  <p16:designElem xmlns:p16="http://schemas.microsoft.com/office/powerpoint/2015/main" val="1"/>
+                </p:ext>
+              </p:extLst>
+            </p:nvPr>
+          </p:nvSpPr>
+          <p:spPr bwMode="gray">
+            <a:xfrm flipH="1">
+              <a:off x="423332" y="402165"/>
+              <a:ext cx="6785133" cy="6053670"/>
+            </a:xfrm>
+            <a:prstGeom prst="rect">
+              <a:avLst/>
+            </a:prstGeom>
+            <a:solidFill>
+              <a:schemeClr val="bg1"/>
+            </a:solidFill>
+            <a:ln>
+              <a:noFill/>
+            </a:ln>
+            <a:effectLst/>
+          </p:spPr>
+          <p:style>
+            <a:lnRef idx="1">
+              <a:schemeClr val="accent1"/>
+            </a:lnRef>
+            <a:fillRef idx="3">
+              <a:schemeClr val="accent1"/>
+            </a:fillRef>
+            <a:effectRef idx="2">
+              <a:schemeClr val="accent1"/>
+            </a:effectRef>
+            <a:fontRef idx="minor">
+              <a:schemeClr val="lt1"/>
+            </a:fontRef>
+          </p:style>
+        </p:sp>
+        <p:sp>
+          <p:nvSpPr>
+            <p:cNvPr id="79" name="Freeform 5">
+              <a:extLst>
+                <a:ext uri="{FF2B5EF4-FFF2-40B4-BE49-F238E27FC236}">
+                  <a16:creationId xmlns:a16="http://schemas.microsoft.com/office/drawing/2014/main" id="{42B4F8D7-4E9C-45EF-9072-1AF32CEF7102}"/>
+                </a:ext>
+                <a:ext uri="{C183D7F6-B498-43B3-948B-1728B52AA6E4}">
+                  <adec:decorative xmlns:adec="http://schemas.microsoft.com/office/drawing/2017/decorative" val="1"/>
+                </a:ext>
+              </a:extLst>
+            </p:cNvPr>
+            <p:cNvSpPr/>
+            <p:nvPr>
+              <p:extLst>
+                <p:ext uri="{386F3935-93C4-4BCD-93E2-E3B085C9AB24}">
+                  <p16:designElem xmlns:p16="http://schemas.microsoft.com/office/powerpoint/2015/main" val="1"/>
+                </p:ext>
+              </p:extLst>
+            </p:nvPr>
+          </p:nvSpPr>
+          <p:spPr bwMode="gray">
+            <a:xfrm rot="5400000" flipH="1">
+              <a:off x="4616676" y="2801722"/>
+              <a:ext cx="6053670" cy="1254558"/>
+            </a:xfrm>
+            <a:custGeom>
+              <a:avLst/>
+              <a:gdLst/>
+              <a:ahLst/>
+              <a:cxnLst/>
+              <a:rect l="l" t="t" r="r" b="b"/>
+              <a:pathLst>
+                <a:path w="10000" h="8000">
+                  <a:moveTo>
+                    <a:pt x="0" y="0"/>
+                  </a:moveTo>
+                  <a:lnTo>
+                    <a:pt x="0" y="7970"/>
+                  </a:lnTo>
+                  <a:lnTo>
+                    <a:pt x="10000" y="8000"/>
+                  </a:lnTo>
+                  <a:lnTo>
+                    <a:pt x="10000" y="7"/>
+                  </a:lnTo>
+                  <a:lnTo>
+                    <a:pt x="10000" y="7"/>
+                  </a:lnTo>
+                  <a:lnTo>
+                    <a:pt x="9773" y="156"/>
+                  </a:lnTo>
+                  <a:lnTo>
+                    <a:pt x="9547" y="298"/>
+                  </a:lnTo>
+                  <a:lnTo>
+                    <a:pt x="9320" y="437"/>
+                  </a:lnTo>
+                  <a:lnTo>
+                    <a:pt x="9092" y="556"/>
+                  </a:lnTo>
+                  <a:lnTo>
+                    <a:pt x="8865" y="676"/>
+                  </a:lnTo>
+                  <a:lnTo>
+                    <a:pt x="8637" y="788"/>
+                  </a:lnTo>
+                  <a:lnTo>
+                    <a:pt x="8412" y="884"/>
+                  </a:lnTo>
+                  <a:lnTo>
+                    <a:pt x="8184" y="975"/>
+                  </a:lnTo>
+                  <a:lnTo>
+                    <a:pt x="7957" y="1058"/>
+                  </a:lnTo>
+                  <a:lnTo>
+                    <a:pt x="7734" y="1130"/>
+                  </a:lnTo>
+                  <a:lnTo>
+                    <a:pt x="7508" y="1202"/>
+                  </a:lnTo>
+                  <a:lnTo>
+                    <a:pt x="7285" y="1262"/>
+                  </a:lnTo>
+                  <a:lnTo>
+                    <a:pt x="7062" y="1309"/>
+                  </a:lnTo>
+                  <a:lnTo>
+                    <a:pt x="6840" y="1358"/>
+                  </a:lnTo>
+                  <a:lnTo>
+                    <a:pt x="6620" y="1399"/>
+                  </a:lnTo>
+                  <a:lnTo>
+                    <a:pt x="6402" y="1428"/>
+                  </a:lnTo>
+                  <a:lnTo>
+                    <a:pt x="6184" y="1453"/>
+                  </a:lnTo>
+                  <a:lnTo>
+                    <a:pt x="5968" y="1477"/>
+                  </a:lnTo>
+                  <a:lnTo>
+                    <a:pt x="5755" y="1488"/>
+                  </a:lnTo>
+                  <a:lnTo>
+                    <a:pt x="5542" y="1500"/>
+                  </a:lnTo>
+                  <a:lnTo>
+                    <a:pt x="5332" y="1506"/>
+                  </a:lnTo>
+                  <a:lnTo>
+                    <a:pt x="5124" y="1500"/>
+                  </a:lnTo>
+                  <a:lnTo>
+                    <a:pt x="4918" y="1500"/>
+                  </a:lnTo>
+                  <a:lnTo>
+                    <a:pt x="4714" y="1488"/>
+                  </a:lnTo>
+                  <a:lnTo>
+                    <a:pt x="4514" y="1470"/>
+                  </a:lnTo>
+                  <a:lnTo>
+                    <a:pt x="4316" y="1453"/>
+                  </a:lnTo>
+                  <a:lnTo>
+                    <a:pt x="4122" y="1434"/>
+                  </a:lnTo>
+                  <a:lnTo>
+                    <a:pt x="3929" y="1405"/>
+                  </a:lnTo>
+                  <a:lnTo>
+                    <a:pt x="3739" y="1374"/>
+                  </a:lnTo>
+                  <a:lnTo>
+                    <a:pt x="3553" y="1346"/>
+                  </a:lnTo>
+                  <a:lnTo>
+                    <a:pt x="3190" y="1267"/>
+                  </a:lnTo>
+                  <a:lnTo>
+                    <a:pt x="2842" y="1183"/>
+                  </a:lnTo>
+                  <a:lnTo>
+                    <a:pt x="2508" y="1095"/>
+                  </a:lnTo>
+                  <a:lnTo>
+                    <a:pt x="2192" y="998"/>
+                  </a:lnTo>
+                  <a:lnTo>
+                    <a:pt x="1890" y="897"/>
+                  </a:lnTo>
+                  <a:lnTo>
+                    <a:pt x="1610" y="788"/>
+                  </a:lnTo>
+                  <a:lnTo>
+                    <a:pt x="1347" y="681"/>
+                  </a:lnTo>
+                  <a:lnTo>
+                    <a:pt x="1105" y="574"/>
+                  </a:lnTo>
+                  <a:lnTo>
+                    <a:pt x="883" y="473"/>
+                  </a:lnTo>
+                  <a:lnTo>
+                    <a:pt x="686" y="377"/>
+                  </a:lnTo>
+                  <a:lnTo>
+                    <a:pt x="508" y="286"/>
+                  </a:lnTo>
+                  <a:lnTo>
+                    <a:pt x="358" y="210"/>
+                  </a:lnTo>
+                  <a:lnTo>
+                    <a:pt x="232" y="138"/>
+                  </a:lnTo>
+                  <a:lnTo>
+                    <a:pt x="59" y="35"/>
+                  </a:lnTo>
+                  <a:lnTo>
+                    <a:pt x="0" y="0"/>
+                  </a:lnTo>
+                  <a:lnTo>
+                    <a:pt x="0" y="0"/>
+                  </a:lnTo>
+                  <a:close/>
+                </a:path>
+              </a:pathLst>
+            </a:custGeom>
+            <a:solidFill>
+              <a:schemeClr val="bg1"/>
+            </a:solidFill>
+            <a:ln>
+              <a:noFill/>
+            </a:ln>
+          </p:spPr>
+        </p:sp>
+        <p:sp>
+          <p:nvSpPr>
+            <p:cNvPr id="80" name="Freeform 5">
+              <a:extLst>
+                <a:ext uri="{FF2B5EF4-FFF2-40B4-BE49-F238E27FC236}">
+                  <a16:creationId xmlns:a16="http://schemas.microsoft.com/office/drawing/2014/main" id="{3ECBDDDB-593C-40F0-8E80-AA75798EE40C}"/>
+                </a:ext>
+                <a:ext uri="{C183D7F6-B498-43B3-948B-1728B52AA6E4}">
+                  <adec:decorative xmlns:adec="http://schemas.microsoft.com/office/drawing/2017/decorative" val="1"/>
+                </a:ext>
+              </a:extLst>
+            </p:cNvPr>
+            <p:cNvSpPr/>
+            <p:nvPr>
+              <p:extLst>
+                <p:ext uri="{386F3935-93C4-4BCD-93E2-E3B085C9AB24}">
+                  <p16:designElem xmlns:p16="http://schemas.microsoft.com/office/powerpoint/2015/main" val="1"/>
+                </p:ext>
+              </p:extLst>
+            </p:nvPr>
+          </p:nvSpPr>
+          <p:spPr bwMode="gray">
+            <a:xfrm rot="5677511" flipH="1">
+              <a:off x="6459831" y="1826079"/>
+              <a:ext cx="3299407" cy="440924"/>
+            </a:xfrm>
+            <a:custGeom>
+              <a:avLst/>
+              <a:gdLst/>
+              <a:ahLst/>
+              <a:cxnLst/>
+              <a:rect l="l" t="t" r="r" b="b"/>
+              <a:pathLst>
+                <a:path w="10000" h="5291">
+                  <a:moveTo>
+                    <a:pt x="85" y="2532"/>
+                  </a:moveTo>
+                  <a:cubicBezTo>
+                    <a:pt x="1736" y="3911"/>
+                    <a:pt x="7524" y="5298"/>
+                    <a:pt x="9958" y="5291"/>
+                  </a:cubicBezTo>
+                  <a:cubicBezTo>
+                    <a:pt x="9989" y="1958"/>
+                    <a:pt x="9969" y="3333"/>
+                    <a:pt x="10000" y="0"/>
+                  </a:cubicBezTo>
+                  <a:lnTo>
+                    <a:pt x="10000" y="0"/>
+                  </a:lnTo>
+                  <a:lnTo>
+                    <a:pt x="9667" y="204"/>
+                  </a:lnTo>
+                  <a:lnTo>
+                    <a:pt x="9334" y="400"/>
+                  </a:lnTo>
+                  <a:lnTo>
+                    <a:pt x="9001" y="590"/>
+                  </a:lnTo>
+                  <a:lnTo>
+                    <a:pt x="8667" y="753"/>
+                  </a:lnTo>
+                  <a:lnTo>
+                    <a:pt x="8333" y="917"/>
+                  </a:lnTo>
+                  <a:lnTo>
+                    <a:pt x="7999" y="1071"/>
+                  </a:lnTo>
+                  <a:lnTo>
+                    <a:pt x="7669" y="1202"/>
+                  </a:lnTo>
+                  <a:lnTo>
+                    <a:pt x="7333" y="1325"/>
+                  </a:lnTo>
+                  <a:lnTo>
+                    <a:pt x="7000" y="1440"/>
+                  </a:lnTo>
+                  <a:lnTo>
+                    <a:pt x="6673" y="1538"/>
+                  </a:lnTo>
+                  <a:lnTo>
+                    <a:pt x="6340" y="1636"/>
+                  </a:lnTo>
+                  <a:lnTo>
+                    <a:pt x="6013" y="1719"/>
+                  </a:lnTo>
+                  <a:lnTo>
+                    <a:pt x="5686" y="1784"/>
+                  </a:lnTo>
+                  <a:lnTo>
+                    <a:pt x="5359" y="1850"/>
+                  </a:lnTo>
+                  <a:lnTo>
+                    <a:pt x="5036" y="1906"/>
+                  </a:lnTo>
+                  <a:lnTo>
+                    <a:pt x="4717" y="1948"/>
+                  </a:lnTo>
+                  <a:lnTo>
+                    <a:pt x="4396" y="1980"/>
+                  </a:lnTo>
+                  <a:lnTo>
+                    <a:pt x="4079" y="2013"/>
+                  </a:lnTo>
+                  <a:lnTo>
+                    <a:pt x="3766" y="2029"/>
+                  </a:lnTo>
+                  <a:lnTo>
+                    <a:pt x="3454" y="2046"/>
+                  </a:lnTo>
+                  <a:lnTo>
+                    <a:pt x="3145" y="2053"/>
+                  </a:lnTo>
+                  <a:lnTo>
+                    <a:pt x="2839" y="2046"/>
+                  </a:lnTo>
+                  <a:lnTo>
+                    <a:pt x="2537" y="2046"/>
+                  </a:lnTo>
+                  <a:lnTo>
+                    <a:pt x="2238" y="2029"/>
+                  </a:lnTo>
+                  <a:lnTo>
+                    <a:pt x="1943" y="2004"/>
+                  </a:lnTo>
+                  <a:lnTo>
+                    <a:pt x="1653" y="1980"/>
+                  </a:lnTo>
+                  <a:lnTo>
+                    <a:pt x="1368" y="1955"/>
+                  </a:lnTo>
+                  <a:lnTo>
+                    <a:pt x="1085" y="1915"/>
+                  </a:lnTo>
+                  <a:lnTo>
+                    <a:pt x="806" y="1873"/>
+                  </a:lnTo>
+                  <a:lnTo>
+                    <a:pt x="533" y="1833"/>
+                  </a:lnTo>
+                  <a:lnTo>
+                    <a:pt x="0" y="1726"/>
+                  </a:lnTo>
+                  <a:cubicBezTo>
+                    <a:pt x="28" y="1995"/>
+                    <a:pt x="57" y="2263"/>
+                    <a:pt x="85" y="2532"/>
+                  </a:cubicBezTo>
+                  <a:close/>
+                </a:path>
+              </a:pathLst>
+            </a:custGeom>
+            <a:solidFill>
+              <a:schemeClr val="bg1">
+                <a:alpha val="20000"/>
+              </a:schemeClr>
+            </a:solidFill>
+            <a:ln>
+              <a:noFill/>
+            </a:ln>
+          </p:spPr>
+        </p:sp>
+      </p:grpSp>
+      <p:pic>
+        <p:nvPicPr>
+          <p:cNvPr id="1026" name="Picture 2" descr="Asp.Net Threading, Threadpools">
+            <a:extLst>
+              <a:ext uri="{FF2B5EF4-FFF2-40B4-BE49-F238E27FC236}">
+                <a16:creationId xmlns:a16="http://schemas.microsoft.com/office/drawing/2014/main" id="{13BD358F-9280-4DE5-856D-AAE17950635C}"/>
+              </a:ext>
+            </a:extLst>
+          </p:cNvPr>
+          <p:cNvPicPr>
+            <a:picLocks noChangeAspect="1" noChangeArrowheads="1"/>
+          </p:cNvPicPr>
+          <p:nvPr/>
+        </p:nvPicPr>
+        <p:blipFill>
+          <a:blip r:embed="rId3">
+            <a:extLst>
+              <a:ext uri="{28A0092B-C50C-407E-A947-70E740481C1C}">
+                <a14:useLocalDpi xmlns:a14="http://schemas.microsoft.com/office/drawing/2010/main" val="0"/>
+              </a:ext>
+            </a:extLst>
+          </a:blip>
+          <a:stretch>
+            <a:fillRect/>
+          </a:stretch>
+        </p:blipFill>
+        <p:spPr bwMode="auto">
+          <a:xfrm>
+            <a:off x="1245514" y="1114621"/>
+            <a:ext cx="6171677" cy="4628758"/>
+          </a:xfrm>
+          <a:prstGeom prst="rect">
+            <a:avLst/>
+          </a:prstGeom>
+          <a:noFill/>
+          <a:extLst>
+            <a:ext uri="{909E8E84-426E-40DD-AFC4-6F175D3DCCD1}">
+              <a14:hiddenFill xmlns:a14="http://schemas.microsoft.com/office/drawing/2010/main">
+                <a:solidFill>
+                  <a:srgbClr val="FFFFFF"/>
+                </a:solidFill>
+              </a14:hiddenFill>
+            </a:ext>
+          </a:extLst>
+        </p:spPr>
+      </p:pic>
+    </p:spTree>
+    <p:extLst>
+      <p:ext uri="{BB962C8B-B14F-4D97-AF65-F5344CB8AC3E}">
+        <p14:creationId xmlns:p14="http://schemas.microsoft.com/office/powerpoint/2010/main" val="4196887643"/>
+      </p:ext>
+    </p:extLst>
+  </p:cSld>
+  <p:clrMapOvr>
+    <a:masterClrMapping/>
+  </p:clrMapOvr>
+</p:sld>
+</file>
+
+<file path=ppt/slides/slide6.xml><?xml version="1.0" encoding="utf-8"?>
+<p:sld xmlns:a="http://schemas.openxmlformats.org/drawingml/2006/main" xmlns:r="http://schemas.openxmlformats.org/officeDocument/2006/relationships" xmlns:p="http://schemas.openxmlformats.org/presentationml/2006/main">
+  <p:cSld>
+    <p:spTree>
+      <p:nvGrpSpPr>
+        <p:cNvPr id="1" name=""/>
+        <p:cNvGrpSpPr/>
+        <p:nvPr/>
+      </p:nvGrpSpPr>
+      <p:grpSpPr>
+        <a:xfrm>
+          <a:off x="0" y="0"/>
+          <a:ext cx="0" cy="0"/>
+          <a:chOff x="0" y="0"/>
+          <a:chExt cx="0" cy="0"/>
+        </a:xfrm>
+      </p:grpSpPr>
+      <p:sp>
+        <p:nvSpPr>
+          <p:cNvPr id="2" name="Title 1">
+            <a:extLst>
+              <a:ext uri="{FF2B5EF4-FFF2-40B4-BE49-F238E27FC236}">
+                <a16:creationId xmlns:a16="http://schemas.microsoft.com/office/drawing/2014/main" id="{0620C8D9-00D3-45AB-8203-99966E8711C9}"/>
+              </a:ext>
+            </a:extLst>
+          </p:cNvPr>
+          <p:cNvSpPr>
+            <a:spLocks noGrp="1"/>
+          </p:cNvSpPr>
+          <p:nvPr>
+            <p:ph type="title"/>
+          </p:nvPr>
+        </p:nvSpPr>
+        <p:spPr/>
+        <p:txBody>
+          <a:bodyPr/>
+          <a:lstStyle/>
+          <a:p>
+            <a:r>
+              <a:rPr lang="en-US" dirty="0"/>
+              <a:t>Asp.net core is the same except for…</a:t>
+            </a:r>
+          </a:p>
+        </p:txBody>
+      </p:sp>
+      <p:sp>
+        <p:nvSpPr>
+          <p:cNvPr id="3" name="Content Placeholder 2">
+            <a:extLst>
+              <a:ext uri="{FF2B5EF4-FFF2-40B4-BE49-F238E27FC236}">
+                <a16:creationId xmlns:a16="http://schemas.microsoft.com/office/drawing/2014/main" id="{CA6730E6-06C7-4EAB-9E9B-99B918094070}"/>
+              </a:ext>
+            </a:extLst>
+          </p:cNvPr>
+          <p:cNvSpPr>
+            <a:spLocks noGrp="1"/>
+          </p:cNvSpPr>
+          <p:nvPr>
+            <p:ph idx="1"/>
+          </p:nvPr>
+        </p:nvSpPr>
+        <p:spPr/>
+        <p:txBody>
+          <a:bodyPr/>
+          <a:lstStyle/>
+          <a:p>
+            <a:r>
+              <a:rPr lang="en-US" dirty="0"/>
+              <a:t>No Synchronization context in asp.net core</a:t>
+            </a:r>
+          </a:p>
+          <a:p>
+            <a:r>
+              <a:rPr lang="en-US" dirty="0"/>
+              <a:t>No concept of an app domain. Each asp.net core application has its own thread pool.</a:t>
+            </a:r>
+          </a:p>
+          <a:p>
+            <a:r>
+              <a:rPr lang="en-US" dirty="0"/>
+              <a:t>This means Async that works fine in core will deadlock in asp.net</a:t>
+            </a:r>
+          </a:p>
+        </p:txBody>
+      </p:sp>
+    </p:spTree>
+    <p:extLst>
+      <p:ext uri="{BB962C8B-B14F-4D97-AF65-F5344CB8AC3E}">
+        <p14:creationId xmlns:p14="http://schemas.microsoft.com/office/powerpoint/2010/main" val="3492659021"/>
+      </p:ext>
+    </p:extLst>
+  </p:cSld>
+  <p:clrMapOvr>
+    <a:masterClrMapping/>
+  </p:clrMapOvr>
+</p:sld>
+</file>
+
+<file path=ppt/slides/slide7.xml><?xml version="1.0" encoding="utf-8"?>
+<p:sld xmlns:a="http://schemas.openxmlformats.org/drawingml/2006/main" xmlns:r="http://schemas.openxmlformats.org/officeDocument/2006/relationships" xmlns:p="http://schemas.openxmlformats.org/presentationml/2006/main">
+  <p:cSld>
+    <p:bg>
+      <p:bgPr>
+        <a:solidFill>
+          <a:schemeClr val="bg2"/>
+        </a:solidFill>
+        <a:effectLst/>
+      </p:bgPr>
+    </p:bg>
+    <p:spTree>
+      <p:nvGrpSpPr>
+        <p:cNvPr id="1" name=""/>
+        <p:cNvGrpSpPr/>
+        <p:nvPr/>
+      </p:nvGrpSpPr>
+      <p:grpSpPr>
+        <a:xfrm>
+          <a:off x="0" y="0"/>
+          <a:ext cx="0" cy="0"/>
+          <a:chOff x="0" y="0"/>
+          <a:chExt cx="0" cy="0"/>
+        </a:xfrm>
+      </p:grpSpPr>
+      <p:grpSp>
+        <p:nvGrpSpPr>
+          <p:cNvPr id="10" name="Group 9">
+            <a:extLst>
+              <a:ext uri="{FF2B5EF4-FFF2-40B4-BE49-F238E27FC236}">
+                <a16:creationId xmlns:a16="http://schemas.microsoft.com/office/drawing/2014/main" id="{93E10248-AF0E-477D-B4D2-47C02CE4E353}"/>
+              </a:ext>
+              <a:ext uri="{C183D7F6-B498-43B3-948B-1728B52AA6E4}">
+                <adec:decorative xmlns:adec="http://schemas.microsoft.com/office/drawing/2017/decorative" val="1"/>
+              </a:ext>
+            </a:extLst>
+          </p:cNvPr>
+          <p:cNvGrpSpPr>
+            <a:grpSpLocks noGrp="1" noUngrp="1" noRot="1" noChangeAspect="1" noMove="1" noResize="1"/>
+          </p:cNvGrpSpPr>
+          <p:nvPr>
+            <p:extLst>
+              <p:ext uri="{386F3935-93C4-4BCD-93E2-E3B085C9AB24}">
+                <p16:designElem xmlns:p16="http://schemas.microsoft.com/office/powerpoint/2015/main" val="1"/>
+              </p:ext>
+            </p:extLst>
+          </p:nvPr>
+        </p:nvGrpSpPr>
+        <p:grpSpPr>
+          <a:xfrm>
+            <a:off x="0" y="0"/>
+            <a:ext cx="12192000" cy="6858000"/>
+            <a:chOff x="0" y="0"/>
+            <a:chExt cx="12192000" cy="6858000"/>
+          </a:xfrm>
+        </p:grpSpPr>
+        <p:sp>
+          <p:nvSpPr>
+            <p:cNvPr id="11" name="Rectangle 10">
+              <a:extLst>
+                <a:ext uri="{FF2B5EF4-FFF2-40B4-BE49-F238E27FC236}">
+                  <a16:creationId xmlns:a16="http://schemas.microsoft.com/office/drawing/2014/main" id="{533010C2-2DA5-460F-A40C-5317F567A03E}"/>
+                </a:ext>
+                <a:ext uri="{C183D7F6-B498-43B3-948B-1728B52AA6E4}">
+                  <adec:decorative xmlns:adec="http://schemas.microsoft.com/office/drawing/2017/decorative" val="1"/>
+                </a:ext>
+              </a:extLst>
+            </p:cNvPr>
+            <p:cNvSpPr/>
+            <p:nvPr>
+              <p:extLst>
+                <p:ext uri="{386F3935-93C4-4BCD-93E2-E3B085C9AB24}">
+                  <p16:designElem xmlns:p16="http://schemas.microsoft.com/office/powerpoint/2015/main" val="1"/>
+                </p:ext>
+              </p:extLst>
+            </p:nvPr>
+          </p:nvSpPr>
+          <p:spPr>
+            <a:xfrm>
+              <a:off x="0" y="0"/>
+              <a:ext cx="12192000" cy="6858000"/>
+            </a:xfrm>
+            <a:prstGeom prst="rect">
+              <a:avLst/>
+            </a:prstGeom>
+            <a:blipFill>
+              <a:blip r:embed="rId2">
+                <a:duotone>
+                  <a:schemeClr val="dk2">
+                    <a:shade val="69000"/>
+                    <a:hueMod val="91000"/>
+                    <a:satMod val="164000"/>
+                    <a:lumMod val="74000"/>
+                  </a:schemeClr>
+                  <a:schemeClr val="dk2">
+                    <a:hueMod val="124000"/>
+                    <a:satMod val="140000"/>
+                    <a:lumMod val="142000"/>
+                  </a:schemeClr>
+                </a:duotone>
+              </a:blip>
+              <a:stretch>
+                <a:fillRect/>
+              </a:stretch>
+            </a:blipFill>
+            <a:ln>
+              <a:noFill/>
+            </a:ln>
+          </p:spPr>
+          <p:style>
+            <a:lnRef idx="2">
+              <a:schemeClr val="accent1">
+                <a:shade val="50000"/>
+              </a:schemeClr>
+            </a:lnRef>
+            <a:fillRef idx="1">
+              <a:schemeClr val="accent1"/>
+            </a:fillRef>
+            <a:effectRef idx="0">
+              <a:schemeClr val="accent1"/>
+            </a:effectRef>
+            <a:fontRef idx="minor">
+              <a:schemeClr val="lt1"/>
+            </a:fontRef>
+          </p:style>
+        </p:sp>
+        <p:sp>
+          <p:nvSpPr>
+            <p:cNvPr id="12" name="Freeform 5">
+              <a:extLst>
+                <a:ext uri="{FF2B5EF4-FFF2-40B4-BE49-F238E27FC236}">
+                  <a16:creationId xmlns:a16="http://schemas.microsoft.com/office/drawing/2014/main" id="{17CB0634-F963-4EC9-A6F6-8EA46BD1F103}"/>
+                </a:ext>
+                <a:ext uri="{C183D7F6-B498-43B3-948B-1728B52AA6E4}">
+                  <adec:decorative xmlns:adec="http://schemas.microsoft.com/office/drawing/2017/decorative" val="1"/>
+                </a:ext>
+              </a:extLst>
+            </p:cNvPr>
+            <p:cNvSpPr>
+              <a:spLocks noEditPoints="1"/>
+            </p:cNvSpPr>
+            <p:nvPr>
+              <p:extLst>
+                <p:ext uri="{386F3935-93C4-4BCD-93E2-E3B085C9AB24}">
+                  <p16:designElem xmlns:p16="http://schemas.microsoft.com/office/powerpoint/2015/main" val="1"/>
+                </p:ext>
+              </p:extLst>
+            </p:nvPr>
+          </p:nvSpPr>
+          <p:spPr bwMode="gray">
+            <a:xfrm>
+              <a:off x="0" y="1587"/>
+              <a:ext cx="12192000" cy="6856413"/>
+            </a:xfrm>
+            <a:custGeom>
+              <a:avLst/>
+              <a:gdLst/>
+              <a:ahLst/>
+              <a:cxnLst/>
+              <a:rect l="0" t="0" r="r" b="b"/>
+              <a:pathLst>
+                <a:path w="15356" h="8638">
+                  <a:moveTo>
+                    <a:pt x="0" y="0"/>
+                  </a:moveTo>
+                  <a:lnTo>
+                    <a:pt x="0" y="8638"/>
+                  </a:lnTo>
+                  <a:lnTo>
+                    <a:pt x="15356" y="8638"/>
+                  </a:lnTo>
+                  <a:lnTo>
+                    <a:pt x="15356" y="0"/>
+                  </a:lnTo>
+                  <a:lnTo>
+                    <a:pt x="0" y="0"/>
+                  </a:lnTo>
+                  <a:close/>
+                  <a:moveTo>
+                    <a:pt x="14748" y="8038"/>
+                  </a:moveTo>
+                  <a:lnTo>
+                    <a:pt x="600" y="8038"/>
+                  </a:lnTo>
+                  <a:lnTo>
+                    <a:pt x="600" y="592"/>
+                  </a:lnTo>
+                  <a:lnTo>
+                    <a:pt x="14748" y="592"/>
+                  </a:lnTo>
+                  <a:lnTo>
+                    <a:pt x="14748" y="8038"/>
+                  </a:lnTo>
+                  <a:close/>
+                </a:path>
+              </a:pathLst>
+            </a:custGeom>
+            <a:solidFill>
+              <a:schemeClr val="bg1"/>
+            </a:solidFill>
+            <a:ln>
+              <a:noFill/>
+            </a:ln>
+          </p:spPr>
+        </p:sp>
+      </p:grpSp>
+      <p:sp>
+        <p:nvSpPr>
+          <p:cNvPr id="14" name="Rectangle 13">
+            <a:extLst>
+              <a:ext uri="{FF2B5EF4-FFF2-40B4-BE49-F238E27FC236}">
+                <a16:creationId xmlns:a16="http://schemas.microsoft.com/office/drawing/2014/main" id="{73C0A186-7444-4460-9C37-532E7671E99E}"/>
+              </a:ext>
+              <a:ext uri="{C183D7F6-B498-43B3-948B-1728B52AA6E4}">
+                <adec:decorative xmlns:adec="http://schemas.microsoft.com/office/drawing/2017/decorative" val="1"/>
+              </a:ext>
+            </a:extLst>
+          </p:cNvPr>
+          <p:cNvSpPr>
+            <a:spLocks noGrp="1" noRot="1" noChangeAspect="1" noMove="1" noResize="1" noEditPoints="1" noAdjustHandles="1" noChangeArrowheads="1" noChangeShapeType="1" noTextEdit="1"/>
+          </p:cNvSpPr>
+          <p:nvPr>
+            <p:extLst>
+              <p:ext uri="{386F3935-93C4-4BCD-93E2-E3B085C9AB24}">
+                <p16:designElem xmlns:p16="http://schemas.microsoft.com/office/powerpoint/2015/main" val="1"/>
+              </p:ext>
+            </p:extLst>
+          </p:nvPr>
+        </p:nvSpPr>
+        <p:spPr>
+          <a:xfrm>
+            <a:off x="10437812" y="0"/>
+            <a:ext cx="685800" cy="1143000"/>
+          </a:xfrm>
+          <a:prstGeom prst="rect">
+            <a:avLst/>
+          </a:prstGeom>
+          <a:solidFill>
+            <a:schemeClr val="accent1"/>
+          </a:solidFill>
+          <a:ln>
+            <a:noFill/>
+          </a:ln>
+        </p:spPr>
+        <p:style>
+          <a:lnRef idx="1">
+            <a:schemeClr val="accent1"/>
+          </a:lnRef>
+          <a:fillRef idx="3">
+            <a:schemeClr val="accent1"/>
+          </a:fillRef>
+          <a:effectRef idx="2">
+            <a:schemeClr val="accent1"/>
+          </a:effectRef>
+          <a:fontRef idx="minor">
+            <a:schemeClr val="lt1"/>
+          </a:fontRef>
+        </p:style>
+      </p:sp>
+      <p:sp useBgFill="1">
+        <p:nvSpPr>
+          <p:cNvPr id="16" name="Rectangle 15">
+            <a:extLst>
+              <a:ext uri="{FF2B5EF4-FFF2-40B4-BE49-F238E27FC236}">
+                <a16:creationId xmlns:a16="http://schemas.microsoft.com/office/drawing/2014/main" id="{B219AE65-9B94-44EA-BEF3-EF4BFA169C81}"/>
+              </a:ext>
+              <a:ext uri="{C183D7F6-B498-43B3-948B-1728B52AA6E4}">
+                <adec:decorative xmlns:adec="http://schemas.microsoft.com/office/drawing/2017/decorative" val="1"/>
+              </a:ext>
+            </a:extLst>
+          </p:cNvPr>
+          <p:cNvSpPr>
+            <a:spLocks noGrp="1" noRot="1" noChangeAspect="1" noMove="1" noResize="1" noEditPoints="1" noAdjustHandles="1" noChangeArrowheads="1" noChangeShapeType="1" noTextEdit="1"/>
+          </p:cNvSpPr>
+          <p:nvPr>
+            <p:extLst>
+              <p:ext uri="{386F3935-93C4-4BCD-93E2-E3B085C9AB24}">
+                <p16:designElem xmlns:p16="http://schemas.microsoft.com/office/powerpoint/2015/main" val="1"/>
+              </p:ext>
+            </p:extLst>
+          </p:nvPr>
+        </p:nvSpPr>
+        <p:spPr>
+          <a:xfrm>
+            <a:off x="0" y="0"/>
+            <a:ext cx="12192000" cy="6858000"/>
+          </a:xfrm>
+          <a:prstGeom prst="rect">
+            <a:avLst/>
+          </a:prstGeom>
+          <a:ln>
+            <a:noFill/>
+          </a:ln>
+        </p:spPr>
+        <p:style>
+          <a:lnRef idx="2">
+            <a:schemeClr val="accent1">
+              <a:shade val="50000"/>
+            </a:schemeClr>
+          </a:lnRef>
+          <a:fillRef idx="1">
+            <a:schemeClr val="accent1"/>
+          </a:fillRef>
+          <a:effectRef idx="0">
+            <a:schemeClr val="accent1"/>
+          </a:effectRef>
+          <a:fontRef idx="minor">
+            <a:schemeClr val="lt1"/>
+          </a:fontRef>
+        </p:style>
+        <p:txBody>
+          <a:bodyPr rtlCol="0" anchor="ctr"/>
+          <a:lstStyle/>
+          <a:p>
+            <a:pPr algn="ctr"/>
+            <a:endParaRPr lang="en-US"/>
+          </a:p>
+        </p:txBody>
+      </p:sp>
+      <p:sp>
+        <p:nvSpPr>
+          <p:cNvPr id="18" name="Rectangle 17">
+            <a:extLst>
+              <a:ext uri="{FF2B5EF4-FFF2-40B4-BE49-F238E27FC236}">
+                <a16:creationId xmlns:a16="http://schemas.microsoft.com/office/drawing/2014/main" id="{F0C81A57-9CD5-461B-8FFE-4A8CB6CFBE01}"/>
+              </a:ext>
+              <a:ext uri="{C183D7F6-B498-43B3-948B-1728B52AA6E4}">
+                <adec:decorative xmlns:adec="http://schemas.microsoft.com/office/drawing/2017/decorative" val="1"/>
+              </a:ext>
+            </a:extLst>
+          </p:cNvPr>
+          <p:cNvSpPr>
+            <a:spLocks noGrp="1" noRot="1" noChangeAspect="1" noMove="1" noResize="1" noEditPoints="1" noAdjustHandles="1" noChangeArrowheads="1" noChangeShapeType="1" noTextEdit="1"/>
+          </p:cNvSpPr>
+          <p:nvPr>
+            <p:extLst>
+              <p:ext uri="{386F3935-93C4-4BCD-93E2-E3B085C9AB24}">
+                <p16:designElem xmlns:p16="http://schemas.microsoft.com/office/powerpoint/2015/main" val="1"/>
+              </p:ext>
+            </p:extLst>
+          </p:nvPr>
+        </p:nvSpPr>
+        <p:spPr>
+          <a:xfrm>
+            <a:off x="11017539" y="467397"/>
+            <a:ext cx="695829" cy="5919116"/>
+          </a:xfrm>
+          <a:prstGeom prst="rect">
+            <a:avLst/>
+          </a:prstGeom>
+          <a:solidFill>
+            <a:srgbClr val="0D0D0D"/>
+          </a:solidFill>
+          <a:ln>
+            <a:noFill/>
+          </a:ln>
+          <a:effectLst/>
+        </p:spPr>
+        <p:style>
+          <a:lnRef idx="1">
+            <a:schemeClr val="accent1"/>
+          </a:lnRef>
+          <a:fillRef idx="3">
+            <a:schemeClr val="accent1"/>
+          </a:fillRef>
+          <a:effectRef idx="2">
+            <a:schemeClr val="accent1"/>
+          </a:effectRef>
+          <a:fontRef idx="minor">
+            <a:schemeClr val="lt1"/>
+          </a:fontRef>
+        </p:style>
+      </p:sp>
+      <p:grpSp>
+        <p:nvGrpSpPr>
+          <p:cNvPr id="20" name="Group 19">
+            <a:extLst>
+              <a:ext uri="{FF2B5EF4-FFF2-40B4-BE49-F238E27FC236}">
+                <a16:creationId xmlns:a16="http://schemas.microsoft.com/office/drawing/2014/main" id="{3086C462-37F4-494D-8292-CCB95221CC1A}"/>
+              </a:ext>
+              <a:ext uri="{C183D7F6-B498-43B3-948B-1728B52AA6E4}">
+                <adec:decorative xmlns:adec="http://schemas.microsoft.com/office/drawing/2017/decorative" val="1"/>
+              </a:ext>
+            </a:extLst>
+          </p:cNvPr>
+          <p:cNvGrpSpPr>
+            <a:grpSpLocks noGrp="1" noUngrp="1" noRot="1" noChangeAspect="1" noMove="1" noResize="1"/>
+          </p:cNvGrpSpPr>
+          <p:nvPr>
+            <p:extLst>
+              <p:ext uri="{386F3935-93C4-4BCD-93E2-E3B085C9AB24}">
+                <p16:designElem xmlns:p16="http://schemas.microsoft.com/office/powerpoint/2015/main" val="1"/>
+              </p:ext>
+            </p:extLst>
+          </p:nvPr>
+        </p:nvGrpSpPr>
+        <p:grpSpPr>
+          <a:xfrm>
+            <a:off x="0" y="0"/>
+            <a:ext cx="12192000" cy="6858000"/>
+            <a:chOff x="0" y="0"/>
+            <a:chExt cx="12192000" cy="6858000"/>
+          </a:xfrm>
+          <a:solidFill>
+            <a:srgbClr val="FFFFFF"/>
+          </a:solidFill>
+        </p:grpSpPr>
+        <p:sp>
+          <p:nvSpPr>
+            <p:cNvPr id="21" name="Rectangle 20">
+              <a:extLst>
+                <a:ext uri="{FF2B5EF4-FFF2-40B4-BE49-F238E27FC236}">
+                  <a16:creationId xmlns:a16="http://schemas.microsoft.com/office/drawing/2014/main" id="{2C7D2D64-353F-4802-AA48-A70CE6020B93}"/>
+                </a:ext>
+                <a:ext uri="{C183D7F6-B498-43B3-948B-1728B52AA6E4}">
+                  <adec:decorative xmlns:adec="http://schemas.microsoft.com/office/drawing/2017/decorative" val="1"/>
+                </a:ext>
+              </a:extLst>
+            </p:cNvPr>
+            <p:cNvSpPr/>
+            <p:nvPr>
+              <p:extLst>
+                <p:ext uri="{386F3935-93C4-4BCD-93E2-E3B085C9AB24}">
+                  <p16:designElem xmlns:p16="http://schemas.microsoft.com/office/powerpoint/2015/main" val="1"/>
+                </p:ext>
+              </p:extLst>
+            </p:nvPr>
+          </p:nvSpPr>
+          <p:spPr>
+            <a:xfrm>
+              <a:off x="0" y="0"/>
+              <a:ext cx="12192000" cy="6858000"/>
+            </a:xfrm>
+            <a:prstGeom prst="rect">
+              <a:avLst/>
+            </a:prstGeom>
+            <a:noFill/>
+            <a:ln>
+              <a:noFill/>
+            </a:ln>
+          </p:spPr>
+          <p:style>
+            <a:lnRef idx="2">
+              <a:schemeClr val="accent1">
+                <a:shade val="50000"/>
+              </a:schemeClr>
+            </a:lnRef>
+            <a:fillRef idx="1">
+              <a:schemeClr val="accent1"/>
+            </a:fillRef>
+            <a:effectRef idx="0">
+              <a:schemeClr val="accent1"/>
+            </a:effectRef>
+            <a:fontRef idx="minor">
+              <a:schemeClr val="lt1"/>
+            </a:fontRef>
+          </p:style>
+        </p:sp>
+        <p:sp>
+          <p:nvSpPr>
+            <p:cNvPr id="22" name="Freeform 5">
+              <a:extLst>
+                <a:ext uri="{FF2B5EF4-FFF2-40B4-BE49-F238E27FC236}">
+                  <a16:creationId xmlns:a16="http://schemas.microsoft.com/office/drawing/2014/main" id="{30A6328F-CAA3-4052-BF4C-14BD47706E65}"/>
+                </a:ext>
+                <a:ext uri="{C183D7F6-B498-43B3-948B-1728B52AA6E4}">
+                  <adec:decorative xmlns:adec="http://schemas.microsoft.com/office/drawing/2017/decorative" val="1"/>
+                </a:ext>
+              </a:extLst>
+            </p:cNvPr>
+            <p:cNvSpPr>
+              <a:spLocks noEditPoints="1"/>
+            </p:cNvSpPr>
+            <p:nvPr>
+              <p:extLst>
+                <p:ext uri="{386F3935-93C4-4BCD-93E2-E3B085C9AB24}">
+                  <p16:designElem xmlns:p16="http://schemas.microsoft.com/office/powerpoint/2015/main" val="1"/>
+                </p:ext>
+              </p:extLst>
+            </p:nvPr>
+          </p:nvSpPr>
+          <p:spPr bwMode="gray">
+            <a:xfrm>
+              <a:off x="0" y="1587"/>
+              <a:ext cx="12192000" cy="6856413"/>
+            </a:xfrm>
+            <a:custGeom>
+              <a:avLst/>
+              <a:gdLst/>
+              <a:ahLst/>
+              <a:cxnLst/>
+              <a:rect l="0" t="0" r="r" b="b"/>
+              <a:pathLst>
+                <a:path w="15356" h="8638">
+                  <a:moveTo>
+                    <a:pt x="0" y="0"/>
+                  </a:moveTo>
+                  <a:lnTo>
+                    <a:pt x="0" y="8638"/>
+                  </a:lnTo>
+                  <a:lnTo>
+                    <a:pt x="15356" y="8638"/>
+                  </a:lnTo>
+                  <a:lnTo>
+                    <a:pt x="15356" y="0"/>
+                  </a:lnTo>
+                  <a:lnTo>
+                    <a:pt x="0" y="0"/>
+                  </a:lnTo>
+                  <a:close/>
+                  <a:moveTo>
+                    <a:pt x="14748" y="8038"/>
+                  </a:moveTo>
+                  <a:lnTo>
+                    <a:pt x="600" y="8038"/>
+                  </a:lnTo>
+                  <a:lnTo>
+                    <a:pt x="600" y="592"/>
+                  </a:lnTo>
+                  <a:lnTo>
+                    <a:pt x="14748" y="592"/>
+                  </a:lnTo>
+                  <a:lnTo>
+                    <a:pt x="14748" y="8038"/>
+                  </a:lnTo>
+                  <a:close/>
+                </a:path>
+              </a:pathLst>
+            </a:custGeom>
+            <a:solidFill>
+              <a:srgbClr val="FFFFFF"/>
+            </a:solidFill>
+            <a:ln>
+              <a:noFill/>
+            </a:ln>
+          </p:spPr>
+        </p:sp>
+      </p:grpSp>
+      <p:sp>
+        <p:nvSpPr>
+          <p:cNvPr id="4" name="Title 3">
+            <a:extLst>
+              <a:ext uri="{FF2B5EF4-FFF2-40B4-BE49-F238E27FC236}">
+                <a16:creationId xmlns:a16="http://schemas.microsoft.com/office/drawing/2014/main" id="{0DA7807D-5DE9-4CF3-B5A0-7A75F10253BB}"/>
+              </a:ext>
+            </a:extLst>
+          </p:cNvPr>
+          <p:cNvSpPr>
+            <a:spLocks noGrp="1"/>
+          </p:cNvSpPr>
+          <p:nvPr>
+            <p:ph type="title"/>
+          </p:nvPr>
+        </p:nvSpPr>
+        <p:spPr>
+          <a:xfrm>
+            <a:off x="1154955" y="2099733"/>
+            <a:ext cx="8825658" cy="2677648"/>
+          </a:xfrm>
+        </p:spPr>
+        <p:txBody>
+          <a:bodyPr vert="horz" lIns="91440" tIns="45720" rIns="91440" bIns="45720" rtlCol="0" anchor="b">
+            <a:normAutofit/>
+          </a:bodyPr>
+          <a:lstStyle/>
+          <a:p>
+            <a:r>
+              <a:rPr lang="en-US" sz="5400">
+                <a:solidFill>
+                  <a:schemeClr val="tx1"/>
+                </a:solidFill>
+              </a:rPr>
+              <a:t>Why Async</a:t>
+            </a:r>
+          </a:p>
+        </p:txBody>
+      </p:sp>
+      <p:sp>
+        <p:nvSpPr>
+          <p:cNvPr id="5" name="Text Placeholder 4">
+            <a:extLst>
+              <a:ext uri="{FF2B5EF4-FFF2-40B4-BE49-F238E27FC236}">
+                <a16:creationId xmlns:a16="http://schemas.microsoft.com/office/drawing/2014/main" id="{D14DAE51-1FDB-40C0-AEB5-668E74171212}"/>
+              </a:ext>
+            </a:extLst>
+          </p:cNvPr>
+          <p:cNvSpPr>
+            <a:spLocks noGrp="1"/>
+          </p:cNvSpPr>
+          <p:nvPr>
+            <p:ph type="body" idx="1"/>
+          </p:nvPr>
+        </p:nvSpPr>
+        <p:spPr>
+          <a:xfrm>
+            <a:off x="1154955" y="4777380"/>
+            <a:ext cx="8825658" cy="861420"/>
+          </a:xfrm>
+        </p:spPr>
+        <p:txBody>
+          <a:bodyPr vert="horz" lIns="91440" tIns="45720" rIns="91440" bIns="45720" rtlCol="0" anchor="t">
+            <a:normAutofit/>
+          </a:bodyPr>
+          <a:lstStyle/>
+          <a:p>
+            <a:r>
+              <a:rPr lang="en-US" sz="1800">
+                <a:solidFill>
+                  <a:schemeClr val="tx1"/>
+                </a:solidFill>
+              </a:rPr>
+              <a:t>Well…</a:t>
+            </a:r>
+          </a:p>
+        </p:txBody>
+      </p:sp>
+    </p:spTree>
+    <p:extLst>
+      <p:ext uri="{BB962C8B-B14F-4D97-AF65-F5344CB8AC3E}">
+        <p14:creationId xmlns:p14="http://schemas.microsoft.com/office/powerpoint/2010/main" val="1666660110"/>
+      </p:ext>
+    </p:extLst>
+  </p:cSld>
+  <p:clrMapOvr>
+    <a:overrideClrMapping bg1="dk1" tx1="lt1" bg2="dk2" tx2="lt2" accent1="accent1" accent2="accent2" accent3="accent3" accent4="accent4" accent5="accent5" accent6="accent6" hlink="hlink" folHlink="folHlink"/>
+  </p:clrMapOvr>
+</p:sld>
+</file>
+
+<file path=ppt/slides/slide8.xml><?xml version="1.0" encoding="utf-8"?>
+<p:sld xmlns:a="http://schemas.openxmlformats.org/drawingml/2006/main" xmlns:r="http://schemas.openxmlformats.org/officeDocument/2006/relationships" xmlns:p="http://schemas.openxmlformats.org/presentationml/2006/main">
+  <p:cSld>
+    <p:spTree>
+      <p:nvGrpSpPr>
+        <p:cNvPr id="1" name=""/>
+        <p:cNvGrpSpPr/>
+        <p:nvPr/>
+      </p:nvGrpSpPr>
+      <p:grpSpPr>
+        <a:xfrm>
+          <a:off x="0" y="0"/>
+          <a:ext cx="0" cy="0"/>
+          <a:chOff x="0" y="0"/>
+          <a:chExt cx="0" cy="0"/>
+        </a:xfrm>
+      </p:grpSpPr>
+      <p:sp>
+        <p:nvSpPr>
+          <p:cNvPr id="2" name="Title 1">
+            <a:extLst>
+              <a:ext uri="{FF2B5EF4-FFF2-40B4-BE49-F238E27FC236}">
+                <a16:creationId xmlns:a16="http://schemas.microsoft.com/office/drawing/2014/main" id="{FBADC995-FC35-4544-9FD0-DDADE5FE8D02}"/>
+              </a:ext>
+            </a:extLst>
+          </p:cNvPr>
+          <p:cNvSpPr>
+            <a:spLocks noGrp="1"/>
+          </p:cNvSpPr>
+          <p:nvPr>
+            <p:ph type="title"/>
+          </p:nvPr>
+        </p:nvSpPr>
+        <p:spPr/>
+        <p:txBody>
+          <a:bodyPr/>
+          <a:lstStyle/>
+          <a:p>
+            <a:r>
+              <a:rPr lang="en-US" dirty="0"/>
+              <a:t>Async was originally for client code</a:t>
+            </a:r>
+          </a:p>
+        </p:txBody>
+      </p:sp>
+      <p:sp>
+        <p:nvSpPr>
+          <p:cNvPr id="3" name="Content Placeholder 2">
+            <a:extLst>
+              <a:ext uri="{FF2B5EF4-FFF2-40B4-BE49-F238E27FC236}">
+                <a16:creationId xmlns:a16="http://schemas.microsoft.com/office/drawing/2014/main" id="{13A38860-0BD3-425A-9A41-C96EAF0C193E}"/>
+              </a:ext>
+            </a:extLst>
+          </p:cNvPr>
+          <p:cNvSpPr>
+            <a:spLocks noGrp="1"/>
+          </p:cNvSpPr>
+          <p:nvPr>
+            <p:ph idx="1"/>
+          </p:nvPr>
+        </p:nvSpPr>
+        <p:spPr/>
+        <p:txBody>
+          <a:bodyPr/>
+          <a:lstStyle/>
+          <a:p>
+            <a:r>
+              <a:rPr lang="en-US" dirty="0"/>
+              <a:t>If you ever wrote a client side app async was a god send</a:t>
+            </a:r>
+          </a:p>
+          <a:p>
+            <a:r>
+              <a:rPr lang="en-US" dirty="0"/>
+              <a:t>Async really did not by you a lot unless your really needed that extra performance, Like another 50 </a:t>
+            </a:r>
+            <a:r>
+              <a:rPr lang="en-US" dirty="0" err="1"/>
+              <a:t>ms</a:t>
+            </a:r>
+            <a:r>
+              <a:rPr lang="en-US" dirty="0"/>
+              <a:t>…</a:t>
+            </a:r>
+          </a:p>
+        </p:txBody>
+      </p:sp>
+    </p:spTree>
+    <p:extLst>
+      <p:ext uri="{BB962C8B-B14F-4D97-AF65-F5344CB8AC3E}">
+        <p14:creationId xmlns:p14="http://schemas.microsoft.com/office/powerpoint/2010/main" val="2714380670"/>
+      </p:ext>
+    </p:extLst>
+  </p:cSld>
+  <p:clrMapOvr>
+    <a:masterClrMapping/>
+  </p:clrMapOvr>
+</p:sld>
+</file>
+
+<file path=ppt/slides/slide9.xml><?xml version="1.0" encoding="utf-8"?>
+<p:sld xmlns:a="http://schemas.openxmlformats.org/drawingml/2006/main" xmlns:r="http://schemas.openxmlformats.org/officeDocument/2006/relationships" xmlns:p="http://schemas.openxmlformats.org/presentationml/2006/main">
+  <p:cSld>
+    <p:spTree>
+      <p:nvGrpSpPr>
+        <p:cNvPr id="1" name=""/>
+        <p:cNvGrpSpPr/>
+        <p:nvPr/>
+      </p:nvGrpSpPr>
+      <p:grpSpPr>
+        <a:xfrm>
+          <a:off x="0" y="0"/>
+          <a:ext cx="0" cy="0"/>
+          <a:chOff x="0" y="0"/>
+          <a:chExt cx="0" cy="0"/>
+        </a:xfrm>
+      </p:grpSpPr>
+      <p:sp>
+        <p:nvSpPr>
+          <p:cNvPr id="2" name="Title 1">
+            <a:extLst>
+              <a:ext uri="{FF2B5EF4-FFF2-40B4-BE49-F238E27FC236}">
+                <a16:creationId xmlns:a16="http://schemas.microsoft.com/office/drawing/2014/main" id="{EEF31CB5-D5F4-4BEB-A798-4365490FA650}"/>
+              </a:ext>
+            </a:extLst>
+          </p:cNvPr>
+          <p:cNvSpPr>
+            <a:spLocks noGrp="1"/>
+          </p:cNvSpPr>
+          <p:nvPr>
+            <p:ph type="title"/>
+          </p:nvPr>
+        </p:nvSpPr>
+        <p:spPr/>
+        <p:txBody>
+          <a:bodyPr/>
+          <a:lstStyle/>
+          <a:p>
+            <a:r>
+              <a:rPr lang="en-US" dirty="0"/>
+              <a:t>Asp.net forms</a:t>
+            </a:r>
+          </a:p>
+        </p:txBody>
+      </p:sp>
+      <p:sp>
+        <p:nvSpPr>
+          <p:cNvPr id="3" name="Text Placeholder 2">
+            <a:extLst>
+              <a:ext uri="{FF2B5EF4-FFF2-40B4-BE49-F238E27FC236}">
+                <a16:creationId xmlns:a16="http://schemas.microsoft.com/office/drawing/2014/main" id="{5688273F-03AD-408F-B643-3C8D16EB9BBE}"/>
+              </a:ext>
+            </a:extLst>
+          </p:cNvPr>
+          <p:cNvSpPr>
+            <a:spLocks noGrp="1"/>
+          </p:cNvSpPr>
+          <p:nvPr>
+            <p:ph type="body" idx="1"/>
+          </p:nvPr>
+        </p:nvSpPr>
+        <p:spPr/>
+        <p:txBody>
+          <a:bodyPr/>
+          <a:lstStyle/>
+          <a:p>
+            <a:r>
+              <a:rPr lang="en-US" dirty="0"/>
+              <a:t>well no one will like anything you are using in 10 years either </a:t>
+            </a:r>
+            <a:r>
+              <a:rPr lang="en-US" dirty="0">
+                <a:sym typeface="Wingdings" panose="05000000000000000000" pitchFamily="2" charset="2"/>
+              </a:rPr>
+              <a:t></a:t>
+            </a:r>
+            <a:endParaRPr lang="en-US" dirty="0"/>
+          </a:p>
+        </p:txBody>
+      </p:sp>
+    </p:spTree>
+    <p:extLst>
+      <p:ext uri="{BB962C8B-B14F-4D97-AF65-F5344CB8AC3E}">
+        <p14:creationId xmlns:p14="http://schemas.microsoft.com/office/powerpoint/2010/main" val="4286767397"/>
       </p:ext>
     </p:extLst>
   </p:cSld>

--- a/Presentation/Sync and Async.pptx
+++ b/Presentation/Sync and Async.pptx
@@ -13873,31 +13873,6 @@
           </a:p>
         </p:txBody>
       </p:sp>
-      <p:sp>
-        <p:nvSpPr>
-          <p:cNvPr id="3" name="Text Placeholder 2">
-            <a:extLst>
-              <a:ext uri="{FF2B5EF4-FFF2-40B4-BE49-F238E27FC236}">
-                <a16:creationId xmlns:a16="http://schemas.microsoft.com/office/drawing/2014/main" id="{CB92A823-6D17-4D1E-B498-6A09607F3D53}"/>
-              </a:ext>
-            </a:extLst>
-          </p:cNvPr>
-          <p:cNvSpPr>
-            <a:spLocks noGrp="1"/>
-          </p:cNvSpPr>
-          <p:nvPr>
-            <p:ph type="body" idx="1"/>
-          </p:nvPr>
-        </p:nvSpPr>
-        <p:spPr/>
-        <p:txBody>
-          <a:bodyPr/>
-          <a:lstStyle/>
-          <a:p>
-            <a:endParaRPr lang="en-US" dirty="0"/>
-          </a:p>
-        </p:txBody>
-      </p:sp>
     </p:spTree>
     <p:extLst>
       <p:ext uri="{BB962C8B-B14F-4D97-AF65-F5344CB8AC3E}">
@@ -13950,10 +13925,9 @@
           <a:lstStyle/>
           <a:p>
             <a:r>
-              <a:rPr lang="en-US"/>
+              <a:rPr lang="en-US" dirty="0"/>
               <a:t>Where to find this code</a:t>
             </a:r>
-            <a:endParaRPr lang="en-US" dirty="0"/>
           </a:p>
         </p:txBody>
       </p:sp>
@@ -13978,7 +13952,46 @@
           <a:bodyPr/>
           <a:lstStyle/>
           <a:p>
-            <a:endParaRPr lang="en-US"/>
+            <a:r>
+              <a:rPr lang="en-US" dirty="0">
+                <a:hlinkClick r:id="rId2"/>
+              </a:rPr>
+              <a:t>https://github.com/P47Phoenix/AsyncBestPractices</a:t>
+            </a:r>
+            <a:endParaRPr lang="en-US" dirty="0"/>
+          </a:p>
+          <a:p>
+            <a:r>
+              <a:rPr lang="en-US" dirty="0"/>
+              <a:t>This slide deck is there as well.</a:t>
+            </a:r>
+          </a:p>
+          <a:p>
+            <a:r>
+              <a:rPr lang="en-US" dirty="0">
+                <a:hlinkClick r:id="rId3"/>
+              </a:rPr>
+              <a:t>http://www.williablog.net/williablog/?tag=/scalability</a:t>
+            </a:r>
+            <a:endParaRPr lang="en-US" dirty="0"/>
+          </a:p>
+          <a:p>
+            <a:r>
+              <a:rPr lang="en-US" dirty="0">
+                <a:hlinkClick r:id="rId4"/>
+              </a:rPr>
+              <a:t>https://docs.microsoft.com/en-us/aspnet/web-forms/overview/performance-and-caching/using-asynchronous-methods-in-aspnet-45</a:t>
+            </a:r>
+            <a:endParaRPr lang="en-US" dirty="0"/>
+          </a:p>
+          <a:p>
+            <a:r>
+              <a:rPr lang="en-US" dirty="0">
+                <a:hlinkClick r:id="rId5"/>
+              </a:rPr>
+              <a:t>https://docs.microsoft.com/en-us/visualstudio/code-quality/install-fxcop-analyzers?view=vs-2019</a:t>
+            </a:r>
+            <a:endParaRPr lang="en-US" dirty="0"/>
           </a:p>
         </p:txBody>
       </p:sp>
@@ -14097,31 +14110,6 @@
           </a:p>
         </p:txBody>
       </p:sp>
-      <p:sp>
-        <p:nvSpPr>
-          <p:cNvPr id="6" name="Text Placeholder 5">
-            <a:extLst>
-              <a:ext uri="{FF2B5EF4-FFF2-40B4-BE49-F238E27FC236}">
-                <a16:creationId xmlns:a16="http://schemas.microsoft.com/office/drawing/2014/main" id="{5AB6110E-AC82-401E-BADF-C1EF6AA58903}"/>
-              </a:ext>
-            </a:extLst>
-          </p:cNvPr>
-          <p:cNvSpPr>
-            <a:spLocks noGrp="1"/>
-          </p:cNvSpPr>
-          <p:nvPr>
-            <p:ph type="body" sz="half" idx="2"/>
-          </p:nvPr>
-        </p:nvSpPr>
-        <p:spPr/>
-        <p:txBody>
-          <a:bodyPr/>
-          <a:lstStyle/>
-          <a:p>
-            <a:endParaRPr lang="en-US" dirty="0"/>
-          </a:p>
-        </p:txBody>
-      </p:sp>
     </p:spTree>
     <p:extLst>
       <p:ext uri="{BB962C8B-B14F-4D97-AF65-F5344CB8AC3E}">
@@ -14244,11 +14232,20 @@
           </a:p>
           <a:p>
             <a:r>
+              <a:rPr lang="en-US"/>
+              <a:t>To Demos</a:t>
+            </a:r>
+            <a:endParaRPr lang="en-US" dirty="0"/>
+          </a:p>
+          <a:p>
+            <a:pPr lvl="1"/>
+            <a:r>
               <a:rPr lang="en-US" dirty="0"/>
               <a:t>How to implement async in ASP.NET forms.</a:t>
             </a:r>
           </a:p>
           <a:p>
+            <a:pPr lvl="1"/>
             <a:r>
               <a:rPr lang="en-US" dirty="0"/>
               <a:t>Play around with the thread pool and break some things</a:t>
